--- a/Présentation1.pptx
+++ b/Présentation1.pptx
@@ -104,6 +104,11 @@
       </a:defRPr>
     </a:lvl9pPr>
   </p:defaultTextStyle>
+  <p:extLst>
+    <p:ext uri="{EFAFB233-063F-42B5-8137-9DF3F51BA10A}">
+      <p15:sldGuideLst xmlns:p15="http://schemas.microsoft.com/office/powerpoint/2012/main"/>
+    </p:ext>
+  </p:extLst>
 </p:presentation>
 </file>
 
@@ -238,7 +243,7 @@
           <a:p>
             <a:fld id="{5BA853A6-73FA-4630-82BB-E0B42FD3C2D4}" type="datetimeFigureOut">
               <a:rPr lang="fr-FR" smtClean="0"/>
-              <a:t>04/06/2015</a:t>
+              <a:t>06/06/2015</a:t>
             </a:fld>
             <a:endParaRPr lang="fr-FR"/>
           </a:p>
@@ -408,7 +413,7 @@
           <a:p>
             <a:fld id="{5BA853A6-73FA-4630-82BB-E0B42FD3C2D4}" type="datetimeFigureOut">
               <a:rPr lang="fr-FR" smtClean="0"/>
-              <a:t>04/06/2015</a:t>
+              <a:t>06/06/2015</a:t>
             </a:fld>
             <a:endParaRPr lang="fr-FR"/>
           </a:p>
@@ -588,7 +593,7 @@
           <a:p>
             <a:fld id="{5BA853A6-73FA-4630-82BB-E0B42FD3C2D4}" type="datetimeFigureOut">
               <a:rPr lang="fr-FR" smtClean="0"/>
-              <a:t>04/06/2015</a:t>
+              <a:t>06/06/2015</a:t>
             </a:fld>
             <a:endParaRPr lang="fr-FR"/>
           </a:p>
@@ -758,7 +763,7 @@
           <a:p>
             <a:fld id="{5BA853A6-73FA-4630-82BB-E0B42FD3C2D4}" type="datetimeFigureOut">
               <a:rPr lang="fr-FR" smtClean="0"/>
-              <a:t>04/06/2015</a:t>
+              <a:t>06/06/2015</a:t>
             </a:fld>
             <a:endParaRPr lang="fr-FR"/>
           </a:p>
@@ -1004,7 +1009,7 @@
           <a:p>
             <a:fld id="{5BA853A6-73FA-4630-82BB-E0B42FD3C2D4}" type="datetimeFigureOut">
               <a:rPr lang="fr-FR" smtClean="0"/>
-              <a:t>04/06/2015</a:t>
+              <a:t>06/06/2015</a:t>
             </a:fld>
             <a:endParaRPr lang="fr-FR"/>
           </a:p>
@@ -1236,7 +1241,7 @@
           <a:p>
             <a:fld id="{5BA853A6-73FA-4630-82BB-E0B42FD3C2D4}" type="datetimeFigureOut">
               <a:rPr lang="fr-FR" smtClean="0"/>
-              <a:t>04/06/2015</a:t>
+              <a:t>06/06/2015</a:t>
             </a:fld>
             <a:endParaRPr lang="fr-FR"/>
           </a:p>
@@ -1603,7 +1608,7 @@
           <a:p>
             <a:fld id="{5BA853A6-73FA-4630-82BB-E0B42FD3C2D4}" type="datetimeFigureOut">
               <a:rPr lang="fr-FR" smtClean="0"/>
-              <a:t>04/06/2015</a:t>
+              <a:t>06/06/2015</a:t>
             </a:fld>
             <a:endParaRPr lang="fr-FR"/>
           </a:p>
@@ -1721,7 +1726,7 @@
           <a:p>
             <a:fld id="{5BA853A6-73FA-4630-82BB-E0B42FD3C2D4}" type="datetimeFigureOut">
               <a:rPr lang="fr-FR" smtClean="0"/>
-              <a:t>04/06/2015</a:t>
+              <a:t>06/06/2015</a:t>
             </a:fld>
             <a:endParaRPr lang="fr-FR"/>
           </a:p>
@@ -1816,7 +1821,7 @@
           <a:p>
             <a:fld id="{5BA853A6-73FA-4630-82BB-E0B42FD3C2D4}" type="datetimeFigureOut">
               <a:rPr lang="fr-FR" smtClean="0"/>
-              <a:t>04/06/2015</a:t>
+              <a:t>06/06/2015</a:t>
             </a:fld>
             <a:endParaRPr lang="fr-FR"/>
           </a:p>
@@ -2093,7 +2098,7 @@
           <a:p>
             <a:fld id="{5BA853A6-73FA-4630-82BB-E0B42FD3C2D4}" type="datetimeFigureOut">
               <a:rPr lang="fr-FR" smtClean="0"/>
-              <a:t>04/06/2015</a:t>
+              <a:t>06/06/2015</a:t>
             </a:fld>
             <a:endParaRPr lang="fr-FR"/>
           </a:p>
@@ -2346,7 +2351,7 @@
           <a:p>
             <a:fld id="{5BA853A6-73FA-4630-82BB-E0B42FD3C2D4}" type="datetimeFigureOut">
               <a:rPr lang="fr-FR" smtClean="0"/>
-              <a:t>04/06/2015</a:t>
+              <a:t>06/06/2015</a:t>
             </a:fld>
             <a:endParaRPr lang="fr-FR"/>
           </a:p>
@@ -2559,7 +2564,7 @@
           <a:p>
             <a:fld id="{5BA853A6-73FA-4630-82BB-E0B42FD3C2D4}" type="datetimeFigureOut">
               <a:rPr lang="fr-FR" smtClean="0"/>
-              <a:t>04/06/2015</a:t>
+              <a:t>06/06/2015</a:t>
             </a:fld>
             <a:endParaRPr lang="fr-FR"/>
           </a:p>
@@ -2964,80 +2969,2552 @@
           <a:chExt cx="0" cy="0"/>
         </a:xfrm>
       </p:grpSpPr>
-      <p:sp>
-        <p:nvSpPr>
-          <p:cNvPr id="5" name="Rectangle 4"/>
-          <p:cNvSpPr/>
-          <p:nvPr/>
-        </p:nvSpPr>
-        <p:spPr>
-          <a:xfrm>
-            <a:off x="2960483" y="4635387"/>
-            <a:ext cx="8287446" cy="2032450"/>
-          </a:xfrm>
-          <a:prstGeom prst="rect">
-            <a:avLst/>
-          </a:prstGeom>
-          <a:solidFill>
-            <a:schemeClr val="bg1">
-              <a:lumMod val="95000"/>
-            </a:schemeClr>
-          </a:solidFill>
-          <a:ln>
-            <a:solidFill>
-              <a:schemeClr val="tx1"/>
-            </a:solidFill>
-          </a:ln>
-        </p:spPr>
-        <p:style>
-          <a:lnRef idx="2">
-            <a:schemeClr val="accent1">
-              <a:shade val="50000"/>
-            </a:schemeClr>
-          </a:lnRef>
-          <a:fillRef idx="1">
-            <a:schemeClr val="accent1"/>
-          </a:fillRef>
-          <a:effectRef idx="0">
-            <a:schemeClr val="accent1"/>
-          </a:effectRef>
-          <a:fontRef idx="minor">
-            <a:schemeClr val="lt1"/>
-          </a:fontRef>
-        </p:style>
-        <p:txBody>
-          <a:bodyPr rtlCol="0" anchor="ctr"/>
-          <a:lstStyle/>
-          <a:p>
-            <a:pPr algn="ctr"/>
-            <a:endParaRPr lang="fr-FR"/>
-          </a:p>
-        </p:txBody>
-      </p:sp>
       <p:grpSp>
         <p:nvGrpSpPr>
-          <p:cNvPr id="9" name="Groupe 8"/>
+          <p:cNvPr id="258" name="Groupe 257"/>
           <p:cNvGrpSpPr/>
           <p:nvPr/>
         </p:nvGrpSpPr>
         <p:grpSpPr>
           <a:xfrm>
-            <a:off x="11247929" y="1946135"/>
-            <a:ext cx="394827" cy="109002"/>
-            <a:chOff x="1909720" y="1339232"/>
-            <a:chExt cx="394827" cy="109002"/>
+            <a:off x="12453" y="104322"/>
+            <a:ext cx="12179547" cy="6753678"/>
+            <a:chOff x="12453" y="104322"/>
+            <a:chExt cx="12179547" cy="6753678"/>
           </a:xfrm>
         </p:grpSpPr>
+        <p:sp>
+          <p:nvSpPr>
+            <p:cNvPr id="70" name="Rectangle 69"/>
+            <p:cNvSpPr/>
+            <p:nvPr/>
+          </p:nvSpPr>
+          <p:spPr>
+            <a:xfrm>
+              <a:off x="40374" y="104322"/>
+              <a:ext cx="12151626" cy="6753678"/>
+            </a:xfrm>
+            <a:prstGeom prst="rect">
+              <a:avLst/>
+            </a:prstGeom>
+            <a:solidFill>
+              <a:srgbClr val="E5FFE8"/>
+            </a:solidFill>
+            <a:ln>
+              <a:solidFill>
+                <a:schemeClr val="tx1"/>
+              </a:solidFill>
+            </a:ln>
+          </p:spPr>
+          <p:style>
+            <a:lnRef idx="2">
+              <a:schemeClr val="accent1">
+                <a:shade val="50000"/>
+              </a:schemeClr>
+            </a:lnRef>
+            <a:fillRef idx="1">
+              <a:schemeClr val="accent1"/>
+            </a:fillRef>
+            <a:effectRef idx="0">
+              <a:schemeClr val="accent1"/>
+            </a:effectRef>
+            <a:fontRef idx="minor">
+              <a:schemeClr val="lt1"/>
+            </a:fontRef>
+          </p:style>
+          <p:txBody>
+            <a:bodyPr rtlCol="0" anchor="ctr"/>
+            <a:lstStyle/>
+            <a:p>
+              <a:pPr algn="ctr"/>
+              <a:endParaRPr lang="fr-FR"/>
+            </a:p>
+          </p:txBody>
+        </p:sp>
+        <p:grpSp>
+          <p:nvGrpSpPr>
+            <p:cNvPr id="72" name="Groupe 71"/>
+            <p:cNvGrpSpPr/>
+            <p:nvPr/>
+          </p:nvGrpSpPr>
+          <p:grpSpPr>
+            <a:xfrm>
+              <a:off x="418971" y="372623"/>
+              <a:ext cx="10741276" cy="6217076"/>
+              <a:chOff x="189293" y="111205"/>
+              <a:chExt cx="11058636" cy="6556632"/>
+            </a:xfrm>
+          </p:grpSpPr>
+          <p:grpSp>
+            <p:nvGrpSpPr>
+              <p:cNvPr id="74" name="Groupe 73"/>
+              <p:cNvGrpSpPr/>
+              <p:nvPr/>
+            </p:nvGrpSpPr>
+            <p:grpSpPr>
+              <a:xfrm>
+                <a:off x="189293" y="1911251"/>
+                <a:ext cx="1739774" cy="1014719"/>
+                <a:chOff x="189293" y="1911251"/>
+                <a:chExt cx="1739774" cy="1014719"/>
+              </a:xfrm>
+            </p:grpSpPr>
+            <p:sp>
+              <p:nvSpPr>
+                <p:cNvPr id="142" name="Rectangle 141"/>
+                <p:cNvSpPr/>
+                <p:nvPr/>
+              </p:nvSpPr>
+              <p:spPr>
+                <a:xfrm>
+                  <a:off x="189293" y="1938782"/>
+                  <a:ext cx="1739774" cy="987188"/>
+                </a:xfrm>
+                <a:prstGeom prst="rect">
+                  <a:avLst/>
+                </a:prstGeom>
+                <a:solidFill>
+                  <a:schemeClr val="accent4">
+                    <a:lumMod val="20000"/>
+                    <a:lumOff val="80000"/>
+                  </a:schemeClr>
+                </a:solidFill>
+                <a:ln>
+                  <a:solidFill>
+                    <a:schemeClr val="tx1"/>
+                  </a:solidFill>
+                </a:ln>
+              </p:spPr>
+              <p:style>
+                <a:lnRef idx="2">
+                  <a:schemeClr val="accent1">
+                    <a:shade val="50000"/>
+                  </a:schemeClr>
+                </a:lnRef>
+                <a:fillRef idx="1">
+                  <a:schemeClr val="accent1"/>
+                </a:fillRef>
+                <a:effectRef idx="0">
+                  <a:schemeClr val="accent1"/>
+                </a:effectRef>
+                <a:fontRef idx="minor">
+                  <a:schemeClr val="lt1"/>
+                </a:fontRef>
+              </p:style>
+              <p:txBody>
+                <a:bodyPr rtlCol="0" anchor="ctr"/>
+                <a:lstStyle/>
+                <a:p>
+                  <a:pPr algn="ctr"/>
+                  <a:endParaRPr lang="fr-FR" dirty="0"/>
+                </a:p>
+              </p:txBody>
+            </p:sp>
+            <p:sp>
+              <p:nvSpPr>
+                <p:cNvPr id="143" name="ZoneTexte 142"/>
+                <p:cNvSpPr txBox="1"/>
+                <p:nvPr/>
+              </p:nvSpPr>
+              <p:spPr>
+                <a:xfrm>
+                  <a:off x="190939" y="1911251"/>
+                  <a:ext cx="531748" cy="357045"/>
+                </a:xfrm>
+                <a:prstGeom prst="rect">
+                  <a:avLst/>
+                </a:prstGeom>
+                <a:noFill/>
+              </p:spPr>
+              <p:txBody>
+                <a:bodyPr wrap="none" rtlCol="0">
+                  <a:spAutoFit/>
+                </a:bodyPr>
+                <a:lstStyle/>
+                <a:p>
+                  <a:r>
+                    <a:rPr lang="fr-FR" sz="1600" b="1" dirty="0" err="1" smtClean="0"/>
+                    <a:t>Ihm</a:t>
+                  </a:r>
+                  <a:endParaRPr lang="fr-FR" sz="1600" b="1" dirty="0" smtClean="0"/>
+                </a:p>
+              </p:txBody>
+            </p:sp>
+          </p:grpSp>
+          <p:grpSp>
+            <p:nvGrpSpPr>
+              <p:cNvPr id="75" name="Groupe 74"/>
+              <p:cNvGrpSpPr/>
+              <p:nvPr/>
+            </p:nvGrpSpPr>
+            <p:grpSpPr>
+              <a:xfrm>
+                <a:off x="2955540" y="111205"/>
+                <a:ext cx="8292389" cy="4387967"/>
+                <a:chOff x="2955540" y="111205"/>
+                <a:chExt cx="8292389" cy="4387967"/>
+              </a:xfrm>
+            </p:grpSpPr>
+            <p:sp>
+              <p:nvSpPr>
+                <p:cNvPr id="140" name="Rectangle 139"/>
+                <p:cNvSpPr/>
+                <p:nvPr/>
+              </p:nvSpPr>
+              <p:spPr>
+                <a:xfrm>
+                  <a:off x="2960483" y="113288"/>
+                  <a:ext cx="8287446" cy="4385884"/>
+                </a:xfrm>
+                <a:prstGeom prst="rect">
+                  <a:avLst/>
+                </a:prstGeom>
+                <a:solidFill>
+                  <a:schemeClr val="bg1">
+                    <a:lumMod val="95000"/>
+                  </a:schemeClr>
+                </a:solidFill>
+                <a:ln>
+                  <a:solidFill>
+                    <a:schemeClr val="tx1"/>
+                  </a:solidFill>
+                </a:ln>
+              </p:spPr>
+              <p:style>
+                <a:lnRef idx="2">
+                  <a:schemeClr val="accent1">
+                    <a:shade val="50000"/>
+                  </a:schemeClr>
+                </a:lnRef>
+                <a:fillRef idx="1">
+                  <a:schemeClr val="accent1"/>
+                </a:fillRef>
+                <a:effectRef idx="0">
+                  <a:schemeClr val="accent1"/>
+                </a:effectRef>
+                <a:fontRef idx="minor">
+                  <a:schemeClr val="lt1"/>
+                </a:fontRef>
+              </p:style>
+              <p:txBody>
+                <a:bodyPr rtlCol="0" anchor="ctr"/>
+                <a:lstStyle/>
+                <a:p>
+                  <a:pPr algn="ctr"/>
+                  <a:endParaRPr lang="fr-FR"/>
+                </a:p>
+              </p:txBody>
+            </p:sp>
+            <p:sp>
+              <p:nvSpPr>
+                <p:cNvPr id="141" name="ZoneTexte 140"/>
+                <p:cNvSpPr txBox="1"/>
+                <p:nvPr/>
+              </p:nvSpPr>
+              <p:spPr>
+                <a:xfrm>
+                  <a:off x="2955540" y="111205"/>
+                  <a:ext cx="1817229" cy="338554"/>
+                </a:xfrm>
+                <a:prstGeom prst="rect">
+                  <a:avLst/>
+                </a:prstGeom>
+                <a:noFill/>
+              </p:spPr>
+              <p:txBody>
+                <a:bodyPr wrap="none" rtlCol="0">
+                  <a:spAutoFit/>
+                </a:bodyPr>
+                <a:lstStyle/>
+                <a:p>
+                  <a:r>
+                    <a:rPr lang="fr-FR" sz="1600" b="1" dirty="0" err="1" smtClean="0"/>
+                    <a:t>EcoProxyAndRobot</a:t>
+                  </a:r>
+                  <a:endParaRPr lang="fr-FR" sz="1600" b="1" dirty="0"/>
+                </a:p>
+              </p:txBody>
+            </p:sp>
+          </p:grpSp>
+          <p:grpSp>
+            <p:nvGrpSpPr>
+              <p:cNvPr id="76" name="Groupe 75"/>
+              <p:cNvGrpSpPr/>
+              <p:nvPr/>
+            </p:nvGrpSpPr>
+            <p:grpSpPr>
+              <a:xfrm>
+                <a:off x="1724986" y="449759"/>
+                <a:ext cx="9522943" cy="6218078"/>
+                <a:chOff x="1724986" y="449759"/>
+                <a:chExt cx="9522943" cy="6218078"/>
+              </a:xfrm>
+            </p:grpSpPr>
+            <p:sp>
+              <p:nvSpPr>
+                <p:cNvPr id="77" name="Rectangle 76"/>
+                <p:cNvSpPr/>
+                <p:nvPr/>
+              </p:nvSpPr>
+              <p:spPr>
+                <a:xfrm>
+                  <a:off x="2960483" y="4635387"/>
+                  <a:ext cx="8287446" cy="2032450"/>
+                </a:xfrm>
+                <a:prstGeom prst="rect">
+                  <a:avLst/>
+                </a:prstGeom>
+                <a:solidFill>
+                  <a:schemeClr val="bg1">
+                    <a:lumMod val="95000"/>
+                  </a:schemeClr>
+                </a:solidFill>
+                <a:ln>
+                  <a:solidFill>
+                    <a:schemeClr val="tx1"/>
+                  </a:solidFill>
+                </a:ln>
+              </p:spPr>
+              <p:style>
+                <a:lnRef idx="2">
+                  <a:schemeClr val="accent1">
+                    <a:shade val="50000"/>
+                  </a:schemeClr>
+                </a:lnRef>
+                <a:fillRef idx="1">
+                  <a:schemeClr val="accent1"/>
+                </a:fillRef>
+                <a:effectRef idx="0">
+                  <a:schemeClr val="accent1"/>
+                </a:effectRef>
+                <a:fontRef idx="minor">
+                  <a:schemeClr val="lt1"/>
+                </a:fontRef>
+              </p:style>
+              <p:txBody>
+                <a:bodyPr rtlCol="0" anchor="ctr"/>
+                <a:lstStyle/>
+                <a:p>
+                  <a:pPr algn="ctr"/>
+                  <a:endParaRPr lang="fr-FR"/>
+                </a:p>
+              </p:txBody>
+            </p:sp>
+            <p:grpSp>
+              <p:nvGrpSpPr>
+                <p:cNvPr id="81" name="Groupe 80"/>
+                <p:cNvGrpSpPr/>
+                <p:nvPr/>
+              </p:nvGrpSpPr>
+              <p:grpSpPr>
+                <a:xfrm>
+                  <a:off x="2460942" y="1998733"/>
+                  <a:ext cx="504644" cy="120422"/>
+                  <a:chOff x="1578763" y="1946135"/>
+                  <a:chExt cx="504644" cy="120422"/>
+                </a:xfrm>
+              </p:grpSpPr>
+              <p:cxnSp>
+                <p:nvCxnSpPr>
+                  <p:cNvPr id="136" name="Connecteur droit 135"/>
+                  <p:cNvCxnSpPr/>
+                  <p:nvPr/>
+                </p:nvCxnSpPr>
+                <p:spPr>
+                  <a:xfrm>
+                    <a:off x="1687407" y="1998733"/>
+                    <a:ext cx="396000" cy="0"/>
+                  </a:xfrm>
+                  <a:prstGeom prst="line">
+                    <a:avLst/>
+                  </a:prstGeom>
+                  <a:ln w="12700">
+                    <a:solidFill>
+                      <a:schemeClr val="tx1"/>
+                    </a:solidFill>
+                  </a:ln>
+                </p:spPr>
+                <p:style>
+                  <a:lnRef idx="1">
+                    <a:schemeClr val="accent1"/>
+                  </a:lnRef>
+                  <a:fillRef idx="0">
+                    <a:schemeClr val="accent1"/>
+                  </a:fillRef>
+                  <a:effectRef idx="0">
+                    <a:schemeClr val="accent1"/>
+                  </a:effectRef>
+                  <a:fontRef idx="minor">
+                    <a:schemeClr val="tx1"/>
+                  </a:fontRef>
+                </p:style>
+              </p:cxnSp>
+              <p:sp>
+                <p:nvSpPr>
+                  <p:cNvPr id="137" name="Arc plein 136"/>
+                  <p:cNvSpPr/>
+                  <p:nvPr/>
+                </p:nvSpPr>
+                <p:spPr>
+                  <a:xfrm rot="5400000">
+                    <a:off x="1577400" y="1947498"/>
+                    <a:ext cx="120422" cy="117696"/>
+                  </a:xfrm>
+                  <a:prstGeom prst="blockArc">
+                    <a:avLst/>
+                  </a:prstGeom>
+                </p:spPr>
+                <p:style>
+                  <a:lnRef idx="2">
+                    <a:schemeClr val="dk1">
+                      <a:shade val="50000"/>
+                    </a:schemeClr>
+                  </a:lnRef>
+                  <a:fillRef idx="1">
+                    <a:schemeClr val="dk1"/>
+                  </a:fillRef>
+                  <a:effectRef idx="0">
+                    <a:schemeClr val="dk1"/>
+                  </a:effectRef>
+                  <a:fontRef idx="minor">
+                    <a:schemeClr val="lt1"/>
+                  </a:fontRef>
+                </p:style>
+                <p:txBody>
+                  <a:bodyPr rtlCol="0" anchor="ctr"/>
+                  <a:lstStyle/>
+                  <a:p>
+                    <a:pPr algn="ctr"/>
+                    <a:endParaRPr lang="fr-FR">
+                      <a:solidFill>
+                        <a:schemeClr val="tx1"/>
+                      </a:solidFill>
+                    </a:endParaRPr>
+                  </a:p>
+                </p:txBody>
+              </p:sp>
+            </p:grpSp>
+            <p:grpSp>
+              <p:nvGrpSpPr>
+                <p:cNvPr id="87" name="Groupe 86"/>
+                <p:cNvGrpSpPr/>
+                <p:nvPr/>
+              </p:nvGrpSpPr>
+              <p:grpSpPr>
+                <a:xfrm>
+                  <a:off x="1950049" y="1998733"/>
+                  <a:ext cx="421940" cy="109002"/>
+                  <a:chOff x="1821956" y="1356760"/>
+                  <a:chExt cx="421940" cy="109002"/>
+                </a:xfrm>
+              </p:grpSpPr>
+              <p:cxnSp>
+                <p:nvCxnSpPr>
+                  <p:cNvPr id="134" name="Connecteur droit 133"/>
+                  <p:cNvCxnSpPr/>
+                  <p:nvPr/>
+                </p:nvCxnSpPr>
+                <p:spPr>
+                  <a:xfrm>
+                    <a:off x="1821956" y="1409358"/>
+                    <a:ext cx="318427" cy="0"/>
+                  </a:xfrm>
+                  <a:prstGeom prst="line">
+                    <a:avLst/>
+                  </a:prstGeom>
+                  <a:ln w="12700">
+                    <a:solidFill>
+                      <a:schemeClr val="tx1"/>
+                    </a:solidFill>
+                  </a:ln>
+                </p:spPr>
+                <p:style>
+                  <a:lnRef idx="1">
+                    <a:schemeClr val="accent1"/>
+                  </a:lnRef>
+                  <a:fillRef idx="0">
+                    <a:schemeClr val="accent1"/>
+                  </a:fillRef>
+                  <a:effectRef idx="0">
+                    <a:schemeClr val="accent1"/>
+                  </a:effectRef>
+                  <a:fontRef idx="minor">
+                    <a:schemeClr val="tx1"/>
+                  </a:fontRef>
+                </p:style>
+              </p:cxnSp>
+              <p:sp>
+                <p:nvSpPr>
+                  <p:cNvPr id="135" name="Ellipse 134"/>
+                  <p:cNvSpPr/>
+                  <p:nvPr/>
+                </p:nvSpPr>
+                <p:spPr>
+                  <a:xfrm>
+                    <a:off x="2140383" y="1356760"/>
+                    <a:ext cx="103513" cy="109002"/>
+                  </a:xfrm>
+                  <a:prstGeom prst="ellipse">
+                    <a:avLst/>
+                  </a:prstGeom>
+                </p:spPr>
+                <p:style>
+                  <a:lnRef idx="2">
+                    <a:schemeClr val="dk1">
+                      <a:shade val="50000"/>
+                    </a:schemeClr>
+                  </a:lnRef>
+                  <a:fillRef idx="1">
+                    <a:schemeClr val="dk1"/>
+                  </a:fillRef>
+                  <a:effectRef idx="0">
+                    <a:schemeClr val="dk1"/>
+                  </a:effectRef>
+                  <a:fontRef idx="minor">
+                    <a:schemeClr val="lt1"/>
+                  </a:fontRef>
+                </p:style>
+                <p:txBody>
+                  <a:bodyPr rtlCol="0" anchor="ctr"/>
+                  <a:lstStyle/>
+                  <a:p>
+                    <a:pPr algn="ctr"/>
+                    <a:endParaRPr lang="fr-FR"/>
+                  </a:p>
+                </p:txBody>
+              </p:sp>
+            </p:grpSp>
+            <p:sp>
+              <p:nvSpPr>
+                <p:cNvPr id="88" name="ZoneTexte 87"/>
+                <p:cNvSpPr txBox="1"/>
+                <p:nvPr/>
+              </p:nvSpPr>
+              <p:spPr>
+                <a:xfrm>
+                  <a:off x="2965586" y="4635387"/>
+                  <a:ext cx="951337" cy="357045"/>
+                </a:xfrm>
+                <a:prstGeom prst="rect">
+                  <a:avLst/>
+                </a:prstGeom>
+                <a:noFill/>
+              </p:spPr>
+              <p:txBody>
+                <a:bodyPr wrap="none" rtlCol="0">
+                  <a:spAutoFit/>
+                </a:bodyPr>
+                <a:lstStyle/>
+                <a:p>
+                  <a:r>
+                    <a:rPr lang="fr-FR" sz="1600" b="1" dirty="0" err="1" smtClean="0"/>
+                    <a:t>EcoBoite</a:t>
+                  </a:r>
+                  <a:endParaRPr lang="fr-FR" sz="1600" b="1" dirty="0"/>
+                </a:p>
+              </p:txBody>
+            </p:sp>
+            <p:grpSp>
+              <p:nvGrpSpPr>
+                <p:cNvPr id="89" name="Groupe 88"/>
+                <p:cNvGrpSpPr/>
+                <p:nvPr/>
+              </p:nvGrpSpPr>
+              <p:grpSpPr>
+                <a:xfrm>
+                  <a:off x="3325539" y="449759"/>
+                  <a:ext cx="7475245" cy="3841585"/>
+                  <a:chOff x="3325539" y="449759"/>
+                  <a:chExt cx="7475245" cy="3841585"/>
+                </a:xfrm>
+              </p:grpSpPr>
+              <p:sp>
+                <p:nvSpPr>
+                  <p:cNvPr id="132" name="Rectangle 131"/>
+                  <p:cNvSpPr/>
+                  <p:nvPr/>
+                </p:nvSpPr>
+                <p:spPr>
+                  <a:xfrm>
+                    <a:off x="3325539" y="449760"/>
+                    <a:ext cx="7475245" cy="3841584"/>
+                  </a:xfrm>
+                  <a:prstGeom prst="rect">
+                    <a:avLst/>
+                  </a:prstGeom>
+                  <a:solidFill>
+                    <a:schemeClr val="accent1">
+                      <a:lumMod val="20000"/>
+                      <a:lumOff val="80000"/>
+                    </a:schemeClr>
+                  </a:solidFill>
+                  <a:ln>
+                    <a:solidFill>
+                      <a:schemeClr val="tx1"/>
+                    </a:solidFill>
+                  </a:ln>
+                </p:spPr>
+                <p:style>
+                  <a:lnRef idx="2">
+                    <a:schemeClr val="accent1">
+                      <a:shade val="50000"/>
+                    </a:schemeClr>
+                  </a:lnRef>
+                  <a:fillRef idx="1">
+                    <a:schemeClr val="accent1"/>
+                  </a:fillRef>
+                  <a:effectRef idx="0">
+                    <a:schemeClr val="accent1"/>
+                  </a:effectRef>
+                  <a:fontRef idx="minor">
+                    <a:schemeClr val="lt1"/>
+                  </a:fontRef>
+                </p:style>
+                <p:txBody>
+                  <a:bodyPr rtlCol="0" anchor="ctr"/>
+                  <a:lstStyle/>
+                  <a:p>
+                    <a:pPr algn="ctr"/>
+                    <a:endParaRPr lang="fr-FR"/>
+                  </a:p>
+                </p:txBody>
+              </p:sp>
+              <p:sp>
+                <p:nvSpPr>
+                  <p:cNvPr id="133" name="ZoneTexte 132"/>
+                  <p:cNvSpPr txBox="1"/>
+                  <p:nvPr/>
+                </p:nvSpPr>
+                <p:spPr>
+                  <a:xfrm>
+                    <a:off x="3351909" y="449759"/>
+                    <a:ext cx="2215972" cy="338554"/>
+                  </a:xfrm>
+                  <a:prstGeom prst="rect">
+                    <a:avLst/>
+                  </a:prstGeom>
+                  <a:noFill/>
+                </p:spPr>
+                <p:txBody>
+                  <a:bodyPr wrap="square" rtlCol="0">
+                    <a:spAutoFit/>
+                  </a:bodyPr>
+                  <a:lstStyle/>
+                  <a:p>
+                    <a:r>
+                      <a:rPr lang="fr-FR" sz="1600" b="1" dirty="0" err="1" smtClean="0"/>
+                      <a:t>ProxyAndRobot</a:t>
+                    </a:r>
+                    <a:endParaRPr lang="fr-FR" sz="1600" b="1" dirty="0"/>
+                  </a:p>
+                </p:txBody>
+              </p:sp>
+            </p:grpSp>
+            <p:grpSp>
+              <p:nvGrpSpPr>
+                <p:cNvPr id="90" name="Groupe 89"/>
+                <p:cNvGrpSpPr/>
+                <p:nvPr/>
+              </p:nvGrpSpPr>
+              <p:grpSpPr>
+                <a:xfrm>
+                  <a:off x="3595116" y="830502"/>
+                  <a:ext cx="2381256" cy="1863867"/>
+                  <a:chOff x="3684713" y="911991"/>
+                  <a:chExt cx="2381256" cy="1863867"/>
+                </a:xfrm>
+              </p:grpSpPr>
+              <p:sp>
+                <p:nvSpPr>
+                  <p:cNvPr id="130" name="Rectangle 129"/>
+                  <p:cNvSpPr/>
+                  <p:nvPr/>
+                </p:nvSpPr>
+                <p:spPr>
+                  <a:xfrm>
+                    <a:off x="3684713" y="924528"/>
+                    <a:ext cx="2381256" cy="1851330"/>
+                  </a:xfrm>
+                  <a:prstGeom prst="rect">
+                    <a:avLst/>
+                  </a:prstGeom>
+                  <a:solidFill>
+                    <a:schemeClr val="accent2">
+                      <a:lumMod val="20000"/>
+                      <a:lumOff val="80000"/>
+                    </a:schemeClr>
+                  </a:solidFill>
+                  <a:ln>
+                    <a:solidFill>
+                      <a:schemeClr val="tx1"/>
+                    </a:solidFill>
+                  </a:ln>
+                </p:spPr>
+                <p:style>
+                  <a:lnRef idx="2">
+                    <a:schemeClr val="accent1">
+                      <a:shade val="50000"/>
+                    </a:schemeClr>
+                  </a:lnRef>
+                  <a:fillRef idx="1">
+                    <a:schemeClr val="accent1"/>
+                  </a:fillRef>
+                  <a:effectRef idx="0">
+                    <a:schemeClr val="accent1"/>
+                  </a:effectRef>
+                  <a:fontRef idx="minor">
+                    <a:schemeClr val="lt1"/>
+                  </a:fontRef>
+                </p:style>
+                <p:txBody>
+                  <a:bodyPr rtlCol="0" anchor="ctr"/>
+                  <a:lstStyle/>
+                  <a:p>
+                    <a:pPr algn="ctr"/>
+                    <a:endParaRPr lang="fr-FR"/>
+                  </a:p>
+                </p:txBody>
+              </p:sp>
+              <p:sp>
+                <p:nvSpPr>
+                  <p:cNvPr id="131" name="ZoneTexte 130"/>
+                  <p:cNvSpPr txBox="1"/>
+                  <p:nvPr/>
+                </p:nvSpPr>
+                <p:spPr>
+                  <a:xfrm>
+                    <a:off x="3693719" y="911991"/>
+                    <a:ext cx="2215972" cy="338554"/>
+                  </a:xfrm>
+                  <a:prstGeom prst="rect">
+                    <a:avLst/>
+                  </a:prstGeom>
+                  <a:noFill/>
+                </p:spPr>
+                <p:txBody>
+                  <a:bodyPr wrap="square" rtlCol="0">
+                    <a:spAutoFit/>
+                  </a:bodyPr>
+                  <a:lstStyle/>
+                  <a:p>
+                    <a:r>
+                      <a:rPr lang="fr-FR" sz="1600" b="1" dirty="0" err="1" smtClean="0"/>
+                      <a:t>EcoProxy</a:t>
+                    </a:r>
+                    <a:endParaRPr lang="fr-FR" sz="1600" b="1" dirty="0"/>
+                  </a:p>
+                </p:txBody>
+              </p:sp>
+            </p:grpSp>
+            <p:grpSp>
+              <p:nvGrpSpPr>
+                <p:cNvPr id="91" name="Groupe 90"/>
+                <p:cNvGrpSpPr/>
+                <p:nvPr/>
+              </p:nvGrpSpPr>
+              <p:grpSpPr>
+                <a:xfrm>
+                  <a:off x="3877304" y="1245744"/>
+                  <a:ext cx="1487210" cy="1222616"/>
+                  <a:chOff x="3082167" y="821465"/>
+                  <a:chExt cx="2381256" cy="1851331"/>
+                </a:xfrm>
+              </p:grpSpPr>
+              <p:sp>
+                <p:nvSpPr>
+                  <p:cNvPr id="128" name="Rectangle 127"/>
+                  <p:cNvSpPr/>
+                  <p:nvPr/>
+                </p:nvSpPr>
+                <p:spPr>
+                  <a:xfrm>
+                    <a:off x="3082167" y="821465"/>
+                    <a:ext cx="2381256" cy="1851331"/>
+                  </a:xfrm>
+                  <a:prstGeom prst="rect">
+                    <a:avLst/>
+                  </a:prstGeom>
+                  <a:solidFill>
+                    <a:schemeClr val="accent6">
+                      <a:lumMod val="20000"/>
+                      <a:lumOff val="80000"/>
+                    </a:schemeClr>
+                  </a:solidFill>
+                  <a:ln>
+                    <a:solidFill>
+                      <a:schemeClr val="tx1"/>
+                    </a:solidFill>
+                  </a:ln>
+                </p:spPr>
+                <p:style>
+                  <a:lnRef idx="2">
+                    <a:schemeClr val="accent1">
+                      <a:shade val="50000"/>
+                    </a:schemeClr>
+                  </a:lnRef>
+                  <a:fillRef idx="1">
+                    <a:schemeClr val="accent1"/>
+                  </a:fillRef>
+                  <a:effectRef idx="0">
+                    <a:schemeClr val="accent1"/>
+                  </a:effectRef>
+                  <a:fontRef idx="minor">
+                    <a:schemeClr val="lt1"/>
+                  </a:fontRef>
+                </p:style>
+                <p:txBody>
+                  <a:bodyPr rtlCol="0" anchor="ctr"/>
+                  <a:lstStyle/>
+                  <a:p>
+                    <a:pPr algn="ctr"/>
+                    <a:endParaRPr lang="fr-FR"/>
+                  </a:p>
+                </p:txBody>
+              </p:sp>
+              <p:sp>
+                <p:nvSpPr>
+                  <p:cNvPr id="129" name="ZoneTexte 128"/>
+                  <p:cNvSpPr txBox="1"/>
+                  <p:nvPr/>
+                </p:nvSpPr>
+                <p:spPr>
+                  <a:xfrm>
+                    <a:off x="3099986" y="821465"/>
+                    <a:ext cx="2215971" cy="512651"/>
+                  </a:xfrm>
+                  <a:prstGeom prst="rect">
+                    <a:avLst/>
+                  </a:prstGeom>
+                  <a:noFill/>
+                </p:spPr>
+                <p:txBody>
+                  <a:bodyPr wrap="square" rtlCol="0">
+                    <a:spAutoFit/>
+                  </a:bodyPr>
+                  <a:lstStyle/>
+                  <a:p>
+                    <a:r>
+                      <a:rPr lang="fr-FR" sz="1600" b="1" dirty="0" smtClean="0"/>
+                      <a:t>Proxy</a:t>
+                    </a:r>
+                    <a:endParaRPr lang="fr-FR" sz="1600" b="1" dirty="0"/>
+                  </a:p>
+                </p:txBody>
+              </p:sp>
+            </p:grpSp>
+            <p:grpSp>
+              <p:nvGrpSpPr>
+                <p:cNvPr id="92" name="Groupe 91"/>
+                <p:cNvGrpSpPr/>
+                <p:nvPr/>
+              </p:nvGrpSpPr>
+              <p:grpSpPr>
+                <a:xfrm>
+                  <a:off x="7060823" y="807617"/>
+                  <a:ext cx="3160539" cy="3402244"/>
+                  <a:chOff x="3684713" y="911991"/>
+                  <a:chExt cx="2381256" cy="1863867"/>
+                </a:xfrm>
+              </p:grpSpPr>
+              <p:sp>
+                <p:nvSpPr>
+                  <p:cNvPr id="126" name="Rectangle 125"/>
+                  <p:cNvSpPr/>
+                  <p:nvPr/>
+                </p:nvSpPr>
+                <p:spPr>
+                  <a:xfrm>
+                    <a:off x="3684713" y="924528"/>
+                    <a:ext cx="2381256" cy="1851330"/>
+                  </a:xfrm>
+                  <a:prstGeom prst="rect">
+                    <a:avLst/>
+                  </a:prstGeom>
+                  <a:solidFill>
+                    <a:schemeClr val="accent2">
+                      <a:lumMod val="20000"/>
+                      <a:lumOff val="80000"/>
+                    </a:schemeClr>
+                  </a:solidFill>
+                  <a:ln>
+                    <a:solidFill>
+                      <a:schemeClr val="tx1"/>
+                    </a:solidFill>
+                  </a:ln>
+                </p:spPr>
+                <p:style>
+                  <a:lnRef idx="2">
+                    <a:schemeClr val="accent1">
+                      <a:shade val="50000"/>
+                    </a:schemeClr>
+                  </a:lnRef>
+                  <a:fillRef idx="1">
+                    <a:schemeClr val="accent1"/>
+                  </a:fillRef>
+                  <a:effectRef idx="0">
+                    <a:schemeClr val="accent1"/>
+                  </a:effectRef>
+                  <a:fontRef idx="minor">
+                    <a:schemeClr val="lt1"/>
+                  </a:fontRef>
+                </p:style>
+                <p:txBody>
+                  <a:bodyPr rtlCol="0" anchor="ctr"/>
+                  <a:lstStyle/>
+                  <a:p>
+                    <a:pPr algn="ctr"/>
+                    <a:endParaRPr lang="fr-FR"/>
+                  </a:p>
+                </p:txBody>
+              </p:sp>
+              <p:sp>
+                <p:nvSpPr>
+                  <p:cNvPr id="127" name="ZoneTexte 126"/>
+                  <p:cNvSpPr txBox="1"/>
+                  <p:nvPr/>
+                </p:nvSpPr>
+                <p:spPr>
+                  <a:xfrm>
+                    <a:off x="3693719" y="911991"/>
+                    <a:ext cx="2215972" cy="185472"/>
+                  </a:xfrm>
+                  <a:prstGeom prst="rect">
+                    <a:avLst/>
+                  </a:prstGeom>
+                  <a:noFill/>
+                </p:spPr>
+                <p:txBody>
+                  <a:bodyPr wrap="square" rtlCol="0">
+                    <a:spAutoFit/>
+                  </a:bodyPr>
+                  <a:lstStyle/>
+                  <a:p>
+                    <a:r>
+                      <a:rPr lang="fr-FR" sz="1600" b="1" dirty="0" err="1" smtClean="0"/>
+                      <a:t>EcoRobot</a:t>
+                    </a:r>
+                    <a:endParaRPr lang="fr-FR" sz="1600" b="1" dirty="0"/>
+                  </a:p>
+                </p:txBody>
+              </p:sp>
+            </p:grpSp>
+            <p:grpSp>
+              <p:nvGrpSpPr>
+                <p:cNvPr id="93" name="Groupe 92"/>
+                <p:cNvGrpSpPr/>
+                <p:nvPr/>
+              </p:nvGrpSpPr>
+              <p:grpSpPr>
+                <a:xfrm>
+                  <a:off x="7161950" y="1303128"/>
+                  <a:ext cx="2939034" cy="2103067"/>
+                  <a:chOff x="3082167" y="821465"/>
+                  <a:chExt cx="2381256" cy="1851331"/>
+                </a:xfrm>
+              </p:grpSpPr>
+              <p:sp>
+                <p:nvSpPr>
+                  <p:cNvPr id="124" name="Rectangle 123"/>
+                  <p:cNvSpPr/>
+                  <p:nvPr/>
+                </p:nvSpPr>
+                <p:spPr>
+                  <a:xfrm>
+                    <a:off x="3082167" y="821465"/>
+                    <a:ext cx="2381256" cy="1851331"/>
+                  </a:xfrm>
+                  <a:prstGeom prst="rect">
+                    <a:avLst/>
+                  </a:prstGeom>
+                  <a:solidFill>
+                    <a:schemeClr val="accent6">
+                      <a:lumMod val="20000"/>
+                      <a:lumOff val="80000"/>
+                    </a:schemeClr>
+                  </a:solidFill>
+                  <a:ln>
+                    <a:solidFill>
+                      <a:schemeClr val="tx1"/>
+                    </a:solidFill>
+                  </a:ln>
+                </p:spPr>
+                <p:style>
+                  <a:lnRef idx="2">
+                    <a:schemeClr val="accent1">
+                      <a:shade val="50000"/>
+                    </a:schemeClr>
+                  </a:lnRef>
+                  <a:fillRef idx="1">
+                    <a:schemeClr val="accent1"/>
+                  </a:fillRef>
+                  <a:effectRef idx="0">
+                    <a:schemeClr val="accent1"/>
+                  </a:effectRef>
+                  <a:fontRef idx="minor">
+                    <a:schemeClr val="lt1"/>
+                  </a:fontRef>
+                </p:style>
+                <p:txBody>
+                  <a:bodyPr rtlCol="0" anchor="ctr"/>
+                  <a:lstStyle/>
+                  <a:p>
+                    <a:pPr algn="ctr"/>
+                    <a:endParaRPr lang="fr-FR"/>
+                  </a:p>
+                </p:txBody>
+              </p:sp>
+              <p:sp>
+                <p:nvSpPr>
+                  <p:cNvPr id="125" name="ZoneTexte 124"/>
+                  <p:cNvSpPr txBox="1"/>
+                  <p:nvPr/>
+                </p:nvSpPr>
+                <p:spPr>
+                  <a:xfrm>
+                    <a:off x="3099986" y="821465"/>
+                    <a:ext cx="2215971" cy="298029"/>
+                  </a:xfrm>
+                  <a:prstGeom prst="rect">
+                    <a:avLst/>
+                  </a:prstGeom>
+                  <a:noFill/>
+                </p:spPr>
+                <p:txBody>
+                  <a:bodyPr wrap="square" rtlCol="0">
+                    <a:spAutoFit/>
+                  </a:bodyPr>
+                  <a:lstStyle/>
+                  <a:p>
+                    <a:r>
+                      <a:rPr lang="fr-FR" sz="1600" b="1" dirty="0" smtClean="0"/>
+                      <a:t>Robot</a:t>
+                    </a:r>
+                    <a:endParaRPr lang="fr-FR" sz="1600" b="1" dirty="0"/>
+                  </a:p>
+                </p:txBody>
+              </p:sp>
+            </p:grpSp>
+            <p:grpSp>
+              <p:nvGrpSpPr>
+                <p:cNvPr id="94" name="Groupe 93"/>
+                <p:cNvGrpSpPr/>
+                <p:nvPr/>
+              </p:nvGrpSpPr>
+              <p:grpSpPr>
+                <a:xfrm>
+                  <a:off x="5383616" y="1529797"/>
+                  <a:ext cx="427050" cy="109002"/>
+                  <a:chOff x="1816846" y="1356760"/>
+                  <a:chExt cx="427050" cy="109002"/>
+                </a:xfrm>
+              </p:grpSpPr>
+              <p:cxnSp>
+                <p:nvCxnSpPr>
+                  <p:cNvPr id="122" name="Connecteur droit 121"/>
+                  <p:cNvCxnSpPr/>
+                  <p:nvPr/>
+                </p:nvCxnSpPr>
+                <p:spPr>
+                  <a:xfrm>
+                    <a:off x="1816846" y="1409358"/>
+                    <a:ext cx="318427" cy="0"/>
+                  </a:xfrm>
+                  <a:prstGeom prst="line">
+                    <a:avLst/>
+                  </a:prstGeom>
+                  <a:ln w="12700">
+                    <a:solidFill>
+                      <a:schemeClr val="tx1"/>
+                    </a:solidFill>
+                  </a:ln>
+                </p:spPr>
+                <p:style>
+                  <a:lnRef idx="1">
+                    <a:schemeClr val="accent1"/>
+                  </a:lnRef>
+                  <a:fillRef idx="0">
+                    <a:schemeClr val="accent1"/>
+                  </a:fillRef>
+                  <a:effectRef idx="0">
+                    <a:schemeClr val="accent1"/>
+                  </a:effectRef>
+                  <a:fontRef idx="minor">
+                    <a:schemeClr val="tx1"/>
+                  </a:fontRef>
+                </p:style>
+              </p:cxnSp>
+              <p:sp>
+                <p:nvSpPr>
+                  <p:cNvPr id="123" name="Ellipse 122"/>
+                  <p:cNvSpPr/>
+                  <p:nvPr/>
+                </p:nvSpPr>
+                <p:spPr>
+                  <a:xfrm>
+                    <a:off x="2140383" y="1356760"/>
+                    <a:ext cx="103513" cy="109002"/>
+                  </a:xfrm>
+                  <a:prstGeom prst="ellipse">
+                    <a:avLst/>
+                  </a:prstGeom>
+                </p:spPr>
+                <p:style>
+                  <a:lnRef idx="2">
+                    <a:schemeClr val="dk1">
+                      <a:shade val="50000"/>
+                    </a:schemeClr>
+                  </a:lnRef>
+                  <a:fillRef idx="1">
+                    <a:schemeClr val="dk1"/>
+                  </a:fillRef>
+                  <a:effectRef idx="0">
+                    <a:schemeClr val="dk1"/>
+                  </a:effectRef>
+                  <a:fontRef idx="minor">
+                    <a:schemeClr val="lt1"/>
+                  </a:fontRef>
+                </p:style>
+                <p:txBody>
+                  <a:bodyPr rtlCol="0" anchor="ctr"/>
+                  <a:lstStyle/>
+                  <a:p>
+                    <a:pPr algn="ctr"/>
+                    <a:endParaRPr lang="fr-FR"/>
+                  </a:p>
+                </p:txBody>
+              </p:sp>
+            </p:grpSp>
+            <p:grpSp>
+              <p:nvGrpSpPr>
+                <p:cNvPr id="97" name="Groupe 96"/>
+                <p:cNvGrpSpPr/>
+                <p:nvPr/>
+              </p:nvGrpSpPr>
+              <p:grpSpPr>
+                <a:xfrm rot="5400000">
+                  <a:off x="9394443" y="3559783"/>
+                  <a:ext cx="427050" cy="109002"/>
+                  <a:chOff x="1816846" y="1356760"/>
+                  <a:chExt cx="427050" cy="109002"/>
+                </a:xfrm>
+              </p:grpSpPr>
+              <p:cxnSp>
+                <p:nvCxnSpPr>
+                  <p:cNvPr id="116" name="Connecteur droit 115"/>
+                  <p:cNvCxnSpPr/>
+                  <p:nvPr/>
+                </p:nvCxnSpPr>
+                <p:spPr>
+                  <a:xfrm>
+                    <a:off x="1816846" y="1409358"/>
+                    <a:ext cx="318427" cy="0"/>
+                  </a:xfrm>
+                  <a:prstGeom prst="line">
+                    <a:avLst/>
+                  </a:prstGeom>
+                  <a:ln w="12700">
+                    <a:solidFill>
+                      <a:schemeClr val="tx1"/>
+                    </a:solidFill>
+                  </a:ln>
+                </p:spPr>
+                <p:style>
+                  <a:lnRef idx="1">
+                    <a:schemeClr val="accent1"/>
+                  </a:lnRef>
+                  <a:fillRef idx="0">
+                    <a:schemeClr val="accent1"/>
+                  </a:fillRef>
+                  <a:effectRef idx="0">
+                    <a:schemeClr val="accent1"/>
+                  </a:effectRef>
+                  <a:fontRef idx="minor">
+                    <a:schemeClr val="tx1"/>
+                  </a:fontRef>
+                </p:style>
+              </p:cxnSp>
+              <p:sp>
+                <p:nvSpPr>
+                  <p:cNvPr id="117" name="Ellipse 116"/>
+                  <p:cNvSpPr/>
+                  <p:nvPr/>
+                </p:nvSpPr>
+                <p:spPr>
+                  <a:xfrm>
+                    <a:off x="2140383" y="1356760"/>
+                    <a:ext cx="103513" cy="109002"/>
+                  </a:xfrm>
+                  <a:prstGeom prst="ellipse">
+                    <a:avLst/>
+                  </a:prstGeom>
+                </p:spPr>
+                <p:style>
+                  <a:lnRef idx="2">
+                    <a:schemeClr val="dk1">
+                      <a:shade val="50000"/>
+                    </a:schemeClr>
+                  </a:lnRef>
+                  <a:fillRef idx="1">
+                    <a:schemeClr val="dk1"/>
+                  </a:fillRef>
+                  <a:effectRef idx="0">
+                    <a:schemeClr val="dk1"/>
+                  </a:effectRef>
+                  <a:fontRef idx="minor">
+                    <a:schemeClr val="lt1"/>
+                  </a:fontRef>
+                </p:style>
+                <p:txBody>
+                  <a:bodyPr rtlCol="0" anchor="ctr"/>
+                  <a:lstStyle/>
+                  <a:p>
+                    <a:pPr algn="ctr"/>
+                    <a:endParaRPr lang="fr-FR"/>
+                  </a:p>
+                </p:txBody>
+              </p:sp>
+            </p:grpSp>
+            <p:grpSp>
+              <p:nvGrpSpPr>
+                <p:cNvPr id="98" name="Groupe 97"/>
+                <p:cNvGrpSpPr/>
+                <p:nvPr/>
+              </p:nvGrpSpPr>
+              <p:grpSpPr>
+                <a:xfrm>
+                  <a:off x="10229415" y="1787933"/>
+                  <a:ext cx="394827" cy="109002"/>
+                  <a:chOff x="1909720" y="1339232"/>
+                  <a:chExt cx="394827" cy="109002"/>
+                </a:xfrm>
+              </p:grpSpPr>
+              <p:cxnSp>
+                <p:nvCxnSpPr>
+                  <p:cNvPr id="114" name="Connecteur droit 113"/>
+                  <p:cNvCxnSpPr/>
+                  <p:nvPr/>
+                </p:nvCxnSpPr>
+                <p:spPr>
+                  <a:xfrm>
+                    <a:off x="1909720" y="1391830"/>
+                    <a:ext cx="291314" cy="0"/>
+                  </a:xfrm>
+                  <a:prstGeom prst="line">
+                    <a:avLst/>
+                  </a:prstGeom>
+                  <a:ln w="12700">
+                    <a:solidFill>
+                      <a:schemeClr val="tx1"/>
+                    </a:solidFill>
+                  </a:ln>
+                </p:spPr>
+                <p:style>
+                  <a:lnRef idx="1">
+                    <a:schemeClr val="accent1"/>
+                  </a:lnRef>
+                  <a:fillRef idx="0">
+                    <a:schemeClr val="accent1"/>
+                  </a:fillRef>
+                  <a:effectRef idx="0">
+                    <a:schemeClr val="accent1"/>
+                  </a:effectRef>
+                  <a:fontRef idx="minor">
+                    <a:schemeClr val="tx1"/>
+                  </a:fontRef>
+                </p:style>
+              </p:cxnSp>
+              <p:sp>
+                <p:nvSpPr>
+                  <p:cNvPr id="115" name="Ellipse 114"/>
+                  <p:cNvSpPr/>
+                  <p:nvPr/>
+                </p:nvSpPr>
+                <p:spPr>
+                  <a:xfrm>
+                    <a:off x="2201034" y="1339232"/>
+                    <a:ext cx="103513" cy="109002"/>
+                  </a:xfrm>
+                  <a:prstGeom prst="ellipse">
+                    <a:avLst/>
+                  </a:prstGeom>
+                </p:spPr>
+                <p:style>
+                  <a:lnRef idx="2">
+                    <a:schemeClr val="dk1">
+                      <a:shade val="50000"/>
+                    </a:schemeClr>
+                  </a:lnRef>
+                  <a:fillRef idx="1">
+                    <a:schemeClr val="dk1"/>
+                  </a:fillRef>
+                  <a:effectRef idx="0">
+                    <a:schemeClr val="dk1"/>
+                  </a:effectRef>
+                  <a:fontRef idx="minor">
+                    <a:schemeClr val="lt1"/>
+                  </a:fontRef>
+                </p:style>
+                <p:txBody>
+                  <a:bodyPr rtlCol="0" anchor="ctr"/>
+                  <a:lstStyle/>
+                  <a:p>
+                    <a:pPr algn="ctr"/>
+                    <a:endParaRPr lang="fr-FR"/>
+                  </a:p>
+                </p:txBody>
+              </p:sp>
+            </p:grpSp>
+            <p:grpSp>
+              <p:nvGrpSpPr>
+                <p:cNvPr id="99" name="Groupe 98"/>
+                <p:cNvGrpSpPr/>
+                <p:nvPr/>
+              </p:nvGrpSpPr>
+              <p:grpSpPr>
+                <a:xfrm rot="16200000">
+                  <a:off x="7800840" y="3472671"/>
+                  <a:ext cx="259681" cy="120422"/>
+                  <a:chOff x="1823727" y="1938174"/>
+                  <a:chExt cx="259681" cy="120422"/>
+                </a:xfrm>
+              </p:grpSpPr>
+              <p:cxnSp>
+                <p:nvCxnSpPr>
+                  <p:cNvPr id="112" name="Connecteur droit 111"/>
+                  <p:cNvCxnSpPr/>
+                  <p:nvPr/>
+                </p:nvCxnSpPr>
+                <p:spPr>
+                  <a:xfrm rot="5400000" flipV="1">
+                    <a:off x="2019680" y="1935006"/>
+                    <a:ext cx="347" cy="127108"/>
+                  </a:xfrm>
+                  <a:prstGeom prst="line">
+                    <a:avLst/>
+                  </a:prstGeom>
+                  <a:ln w="12700">
+                    <a:solidFill>
+                      <a:schemeClr val="tx1"/>
+                    </a:solidFill>
+                  </a:ln>
+                </p:spPr>
+                <p:style>
+                  <a:lnRef idx="1">
+                    <a:schemeClr val="accent1"/>
+                  </a:lnRef>
+                  <a:fillRef idx="0">
+                    <a:schemeClr val="accent1"/>
+                  </a:fillRef>
+                  <a:effectRef idx="0">
+                    <a:schemeClr val="accent1"/>
+                  </a:effectRef>
+                  <a:fontRef idx="minor">
+                    <a:schemeClr val="tx1"/>
+                  </a:fontRef>
+                </p:style>
+              </p:cxnSp>
+              <p:sp>
+                <p:nvSpPr>
+                  <p:cNvPr id="113" name="Arc plein 112"/>
+                  <p:cNvSpPr/>
+                  <p:nvPr/>
+                </p:nvSpPr>
+                <p:spPr>
+                  <a:xfrm rot="5400000">
+                    <a:off x="1822364" y="1939537"/>
+                    <a:ext cx="120422" cy="117696"/>
+                  </a:xfrm>
+                  <a:prstGeom prst="blockArc">
+                    <a:avLst/>
+                  </a:prstGeom>
+                </p:spPr>
+                <p:style>
+                  <a:lnRef idx="2">
+                    <a:schemeClr val="dk1">
+                      <a:shade val="50000"/>
+                    </a:schemeClr>
+                  </a:lnRef>
+                  <a:fillRef idx="1">
+                    <a:schemeClr val="dk1"/>
+                  </a:fillRef>
+                  <a:effectRef idx="0">
+                    <a:schemeClr val="dk1"/>
+                  </a:effectRef>
+                  <a:fontRef idx="minor">
+                    <a:schemeClr val="lt1"/>
+                  </a:fontRef>
+                </p:style>
+                <p:txBody>
+                  <a:bodyPr rtlCol="0" anchor="ctr"/>
+                  <a:lstStyle/>
+                  <a:p>
+                    <a:pPr algn="ctr"/>
+                    <a:endParaRPr lang="fr-FR">
+                      <a:solidFill>
+                        <a:schemeClr val="tx1"/>
+                      </a:solidFill>
+                    </a:endParaRPr>
+                  </a:p>
+                </p:txBody>
+              </p:sp>
+            </p:grpSp>
+            <p:grpSp>
+              <p:nvGrpSpPr>
+                <p:cNvPr id="100" name="Groupe 99"/>
+                <p:cNvGrpSpPr/>
+                <p:nvPr/>
+              </p:nvGrpSpPr>
+              <p:grpSpPr>
+                <a:xfrm rot="16200000">
+                  <a:off x="3873301" y="2887595"/>
+                  <a:ext cx="504644" cy="120422"/>
+                  <a:chOff x="1578763" y="1946135"/>
+                  <a:chExt cx="504644" cy="120422"/>
+                </a:xfrm>
+              </p:grpSpPr>
+              <p:cxnSp>
+                <p:nvCxnSpPr>
+                  <p:cNvPr id="110" name="Connecteur droit 109"/>
+                  <p:cNvCxnSpPr/>
+                  <p:nvPr/>
+                </p:nvCxnSpPr>
+                <p:spPr>
+                  <a:xfrm>
+                    <a:off x="1687407" y="1998733"/>
+                    <a:ext cx="396000" cy="0"/>
+                  </a:xfrm>
+                  <a:prstGeom prst="line">
+                    <a:avLst/>
+                  </a:prstGeom>
+                  <a:ln w="12700">
+                    <a:solidFill>
+                      <a:schemeClr val="tx1"/>
+                    </a:solidFill>
+                  </a:ln>
+                </p:spPr>
+                <p:style>
+                  <a:lnRef idx="1">
+                    <a:schemeClr val="accent1"/>
+                  </a:lnRef>
+                  <a:fillRef idx="0">
+                    <a:schemeClr val="accent1"/>
+                  </a:fillRef>
+                  <a:effectRef idx="0">
+                    <a:schemeClr val="accent1"/>
+                  </a:effectRef>
+                  <a:fontRef idx="minor">
+                    <a:schemeClr val="tx1"/>
+                  </a:fontRef>
+                </p:style>
+              </p:cxnSp>
+              <p:sp>
+                <p:nvSpPr>
+                  <p:cNvPr id="111" name="Arc plein 110"/>
+                  <p:cNvSpPr/>
+                  <p:nvPr/>
+                </p:nvSpPr>
+                <p:spPr>
+                  <a:xfrm rot="5400000">
+                    <a:off x="1577400" y="1947498"/>
+                    <a:ext cx="120422" cy="117696"/>
+                  </a:xfrm>
+                  <a:prstGeom prst="blockArc">
+                    <a:avLst/>
+                  </a:prstGeom>
+                </p:spPr>
+                <p:style>
+                  <a:lnRef idx="2">
+                    <a:schemeClr val="dk1">
+                      <a:shade val="50000"/>
+                    </a:schemeClr>
+                  </a:lnRef>
+                  <a:fillRef idx="1">
+                    <a:schemeClr val="dk1"/>
+                  </a:fillRef>
+                  <a:effectRef idx="0">
+                    <a:schemeClr val="dk1"/>
+                  </a:effectRef>
+                  <a:fontRef idx="minor">
+                    <a:schemeClr val="lt1"/>
+                  </a:fontRef>
+                </p:style>
+                <p:txBody>
+                  <a:bodyPr rtlCol="0" anchor="ctr"/>
+                  <a:lstStyle/>
+                  <a:p>
+                    <a:pPr algn="ctr"/>
+                    <a:endParaRPr lang="fr-FR">
+                      <a:solidFill>
+                        <a:schemeClr val="tx1"/>
+                      </a:solidFill>
+                    </a:endParaRPr>
+                  </a:p>
+                </p:txBody>
+              </p:sp>
+            </p:grpSp>
+            <p:cxnSp>
+              <p:nvCxnSpPr>
+                <p:cNvPr id="101" name="Connecteur en angle 100"/>
+                <p:cNvCxnSpPr>
+                  <a:endCxn id="111" idx="2"/>
+                </p:cNvCxnSpPr>
+                <p:nvPr/>
+              </p:nvCxnSpPr>
+              <p:spPr>
+                <a:xfrm>
+                  <a:off x="2960483" y="2051331"/>
+                  <a:ext cx="1165140" cy="1089949"/>
+                </a:xfrm>
+                <a:prstGeom prst="bentConnector4">
+                  <a:avLst>
+                    <a:gd name="adj1" fmla="val 47416"/>
+                    <a:gd name="adj2" fmla="val 120973"/>
+                  </a:avLst>
+                </a:prstGeom>
+                <a:ln>
+                  <a:solidFill>
+                    <a:schemeClr val="tx1"/>
+                  </a:solidFill>
+                  <a:prstDash val="dash"/>
+                </a:ln>
+              </p:spPr>
+              <p:style>
+                <a:lnRef idx="1">
+                  <a:schemeClr val="accent1"/>
+                </a:lnRef>
+                <a:fillRef idx="0">
+                  <a:schemeClr val="accent1"/>
+                </a:fillRef>
+                <a:effectRef idx="0">
+                  <a:schemeClr val="accent1"/>
+                </a:effectRef>
+                <a:fontRef idx="minor">
+                  <a:schemeClr val="tx1"/>
+                </a:fontRef>
+              </p:style>
+            </p:cxnSp>
+            <p:cxnSp>
+              <p:nvCxnSpPr>
+                <p:cNvPr id="102" name="Connecteur en angle 101"/>
+                <p:cNvCxnSpPr>
+                  <a:stCxn id="123" idx="6"/>
+                  <a:endCxn id="113" idx="2"/>
+                </p:cNvCxnSpPr>
+                <p:nvPr/>
+              </p:nvCxnSpPr>
+              <p:spPr>
+                <a:xfrm>
+                  <a:off x="5810667" y="1584299"/>
+                  <a:ext cx="2120014" cy="2019577"/>
+                </a:xfrm>
+                <a:prstGeom prst="bentConnector4">
+                  <a:avLst>
+                    <a:gd name="adj1" fmla="val 48580"/>
+                    <a:gd name="adj2" fmla="val 99159"/>
+                  </a:avLst>
+                </a:prstGeom>
+                <a:ln>
+                  <a:solidFill>
+                    <a:schemeClr val="tx1"/>
+                  </a:solidFill>
+                  <a:prstDash val="dash"/>
+                </a:ln>
+              </p:spPr>
+              <p:style>
+                <a:lnRef idx="1">
+                  <a:schemeClr val="accent1"/>
+                </a:lnRef>
+                <a:fillRef idx="0">
+                  <a:schemeClr val="accent1"/>
+                </a:fillRef>
+                <a:effectRef idx="0">
+                  <a:schemeClr val="accent1"/>
+                </a:effectRef>
+                <a:fontRef idx="minor">
+                  <a:schemeClr val="tx1"/>
+                </a:fontRef>
+              </p:style>
+            </p:cxnSp>
+            <p:sp>
+              <p:nvSpPr>
+                <p:cNvPr id="103" name="ZoneTexte 102"/>
+                <p:cNvSpPr txBox="1"/>
+                <p:nvPr/>
+              </p:nvSpPr>
+              <p:spPr>
+                <a:xfrm>
+                  <a:off x="1724986" y="1606766"/>
+                  <a:ext cx="593432" cy="276999"/>
+                </a:xfrm>
+                <a:prstGeom prst="rect">
+                  <a:avLst/>
+                </a:prstGeom>
+                <a:noFill/>
+              </p:spPr>
+              <p:txBody>
+                <a:bodyPr wrap="none" rtlCol="0">
+                  <a:spAutoFit/>
+                </a:bodyPr>
+                <a:lstStyle/>
+                <a:p>
+                  <a:r>
+                    <a:rPr lang="fr-FR" sz="1200" b="1" dirty="0" err="1" smtClean="0">
+                      <a:latin typeface="Batang" panose="02030600000101010101" pitchFamily="18" charset="-127"/>
+                      <a:ea typeface="Batang" panose="02030600000101010101" pitchFamily="18" charset="-127"/>
+                    </a:rPr>
+                    <a:t>IInfos</a:t>
+                  </a:r>
+                  <a:endParaRPr lang="fr-FR" sz="1200" b="1" dirty="0">
+                    <a:latin typeface="Batang" panose="02030600000101010101" pitchFamily="18" charset="-127"/>
+                    <a:ea typeface="Batang" panose="02030600000101010101" pitchFamily="18" charset="-127"/>
+                  </a:endParaRPr>
+                </a:p>
+              </p:txBody>
+            </p:sp>
+            <p:cxnSp>
+              <p:nvCxnSpPr>
+                <p:cNvPr id="104" name="Connecteur en angle 103"/>
+                <p:cNvCxnSpPr>
+                  <a:stCxn id="135" idx="6"/>
+                  <a:endCxn id="137" idx="2"/>
+                </p:cNvCxnSpPr>
+                <p:nvPr/>
+              </p:nvCxnSpPr>
+              <p:spPr>
+                <a:xfrm>
+                  <a:off x="2371989" y="2053234"/>
+                  <a:ext cx="147801" cy="5710"/>
+                </a:xfrm>
+                <a:prstGeom prst="bentConnector3">
+                  <a:avLst>
+                    <a:gd name="adj1" fmla="val 50000"/>
+                  </a:avLst>
+                </a:prstGeom>
+                <a:ln>
+                  <a:solidFill>
+                    <a:schemeClr val="tx1"/>
+                  </a:solidFill>
+                  <a:prstDash val="dash"/>
+                </a:ln>
+              </p:spPr>
+              <p:style>
+                <a:lnRef idx="1">
+                  <a:schemeClr val="accent1"/>
+                </a:lnRef>
+                <a:fillRef idx="0">
+                  <a:schemeClr val="accent1"/>
+                </a:fillRef>
+                <a:effectRef idx="0">
+                  <a:schemeClr val="accent1"/>
+                </a:effectRef>
+                <a:fontRef idx="minor">
+                  <a:schemeClr val="tx1"/>
+                </a:fontRef>
+              </p:style>
+            </p:cxnSp>
+            <p:sp>
+              <p:nvSpPr>
+                <p:cNvPr id="105" name="ZoneTexte 104"/>
+                <p:cNvSpPr txBox="1"/>
+                <p:nvPr/>
+              </p:nvSpPr>
+              <p:spPr>
+                <a:xfrm>
+                  <a:off x="5423419" y="1238139"/>
+                  <a:ext cx="593432" cy="276999"/>
+                </a:xfrm>
+                <a:prstGeom prst="rect">
+                  <a:avLst/>
+                </a:prstGeom>
+                <a:noFill/>
+              </p:spPr>
+              <p:txBody>
+                <a:bodyPr wrap="none" rtlCol="0">
+                  <a:spAutoFit/>
+                </a:bodyPr>
+                <a:lstStyle/>
+                <a:p>
+                  <a:r>
+                    <a:rPr lang="fr-FR" sz="1200" b="1" dirty="0" err="1" smtClean="0">
+                      <a:latin typeface="Batang" panose="02030600000101010101" pitchFamily="18" charset="-127"/>
+                      <a:ea typeface="Batang" panose="02030600000101010101" pitchFamily="18" charset="-127"/>
+                    </a:rPr>
+                    <a:t>IInfos</a:t>
+                  </a:r>
+                  <a:endParaRPr lang="fr-FR" sz="1200" b="1" dirty="0">
+                    <a:latin typeface="Batang" panose="02030600000101010101" pitchFamily="18" charset="-127"/>
+                    <a:ea typeface="Batang" panose="02030600000101010101" pitchFamily="18" charset="-127"/>
+                  </a:endParaRPr>
+                </a:p>
+              </p:txBody>
+            </p:sp>
+            <p:sp>
+              <p:nvSpPr>
+                <p:cNvPr id="106" name="ZoneTexte 105"/>
+                <p:cNvSpPr txBox="1"/>
+                <p:nvPr/>
+              </p:nvSpPr>
+              <p:spPr>
+                <a:xfrm>
+                  <a:off x="8968761" y="1449173"/>
+                  <a:ext cx="1309070" cy="292128"/>
+                </a:xfrm>
+                <a:prstGeom prst="rect">
+                  <a:avLst/>
+                </a:prstGeom>
+                <a:noFill/>
+              </p:spPr>
+              <p:txBody>
+                <a:bodyPr wrap="none" rtlCol="0">
+                  <a:spAutoFit/>
+                </a:bodyPr>
+                <a:lstStyle/>
+                <a:p>
+                  <a:r>
+                    <a:rPr lang="fr-FR" sz="1200" b="1" dirty="0" err="1" smtClean="0">
+                      <a:latin typeface="Batang" panose="02030600000101010101" pitchFamily="18" charset="-127"/>
+                      <a:ea typeface="Batang" panose="02030600000101010101" pitchFamily="18" charset="-127"/>
+                    </a:rPr>
+                    <a:t>IDecisionRobot</a:t>
+                  </a:r>
+                  <a:endParaRPr lang="fr-FR" sz="1200" b="1" dirty="0" smtClean="0">
+                    <a:latin typeface="Batang" panose="02030600000101010101" pitchFamily="18" charset="-127"/>
+                    <a:ea typeface="Batang" panose="02030600000101010101" pitchFamily="18" charset="-127"/>
+                  </a:endParaRPr>
+                </a:p>
+              </p:txBody>
+            </p:sp>
+            <p:sp>
+              <p:nvSpPr>
+                <p:cNvPr id="107" name="ZoneTexte 106"/>
+                <p:cNvSpPr txBox="1"/>
+                <p:nvPr/>
+              </p:nvSpPr>
+              <p:spPr>
+                <a:xfrm>
+                  <a:off x="10177488" y="1491706"/>
+                  <a:ext cx="672029" cy="292128"/>
+                </a:xfrm>
+                <a:prstGeom prst="rect">
+                  <a:avLst/>
+                </a:prstGeom>
+                <a:noFill/>
+              </p:spPr>
+              <p:txBody>
+                <a:bodyPr wrap="none" rtlCol="0">
+                  <a:spAutoFit/>
+                </a:bodyPr>
+                <a:lstStyle/>
+                <a:p>
+                  <a:r>
+                    <a:rPr lang="fr-FR" sz="1200" b="1" dirty="0" err="1" smtClean="0">
+                      <a:latin typeface="Batang" panose="02030600000101010101" pitchFamily="18" charset="-127"/>
+                      <a:ea typeface="Batang" panose="02030600000101010101" pitchFamily="18" charset="-127"/>
+                    </a:rPr>
+                    <a:t>IRobot</a:t>
+                  </a:r>
+                  <a:endParaRPr lang="fr-FR" sz="1200" b="1" dirty="0">
+                    <a:latin typeface="Batang" panose="02030600000101010101" pitchFamily="18" charset="-127"/>
+                    <a:ea typeface="Batang" panose="02030600000101010101" pitchFamily="18" charset="-127"/>
+                  </a:endParaRPr>
+                </a:p>
+              </p:txBody>
+            </p:sp>
+            <p:sp>
+              <p:nvSpPr>
+                <p:cNvPr id="109" name="ZoneTexte 108"/>
+                <p:cNvSpPr txBox="1"/>
+                <p:nvPr/>
+              </p:nvSpPr>
+              <p:spPr>
+                <a:xfrm>
+                  <a:off x="9216684" y="3879351"/>
+                  <a:ext cx="1117614" cy="276999"/>
+                </a:xfrm>
+                <a:prstGeom prst="rect">
+                  <a:avLst/>
+                </a:prstGeom>
+                <a:noFill/>
+              </p:spPr>
+              <p:txBody>
+                <a:bodyPr wrap="none" rtlCol="0">
+                  <a:spAutoFit/>
+                </a:bodyPr>
+                <a:lstStyle/>
+                <a:p>
+                  <a:r>
+                    <a:rPr lang="fr-FR" sz="1200" b="1" smtClean="0">
+                      <a:latin typeface="Batang" panose="02030600000101010101" pitchFamily="18" charset="-127"/>
+                      <a:ea typeface="Batang" panose="02030600000101010101" pitchFamily="18" charset="-127"/>
+                    </a:rPr>
+                    <a:t>IActionRobot</a:t>
+                  </a:r>
+                  <a:endParaRPr lang="fr-FR" sz="1200" b="1" dirty="0">
+                    <a:latin typeface="Batang" panose="02030600000101010101" pitchFamily="18" charset="-127"/>
+                    <a:ea typeface="Batang" panose="02030600000101010101" pitchFamily="18" charset="-127"/>
+                  </a:endParaRPr>
+                </a:p>
+              </p:txBody>
+            </p:sp>
+          </p:grpSp>
+        </p:grpSp>
+        <p:sp>
+          <p:nvSpPr>
+            <p:cNvPr id="144" name="ZoneTexte 143"/>
+            <p:cNvSpPr txBox="1"/>
+            <p:nvPr/>
+          </p:nvSpPr>
+          <p:spPr>
+            <a:xfrm>
+              <a:off x="12453" y="104322"/>
+              <a:ext cx="489558" cy="338554"/>
+            </a:xfrm>
+            <a:prstGeom prst="rect">
+              <a:avLst/>
+            </a:prstGeom>
+            <a:noFill/>
+          </p:spPr>
+          <p:txBody>
+            <a:bodyPr wrap="none" rtlCol="0">
+              <a:spAutoFit/>
+            </a:bodyPr>
+            <a:lstStyle/>
+            <a:p>
+              <a:r>
+                <a:rPr lang="fr-FR" sz="1600" b="1" dirty="0" err="1" smtClean="0"/>
+                <a:t>Env</a:t>
+              </a:r>
+              <a:endParaRPr lang="fr-FR" sz="1600" b="1" dirty="0"/>
+            </a:p>
+          </p:txBody>
+        </p:sp>
+        <p:sp>
+          <p:nvSpPr>
+            <p:cNvPr id="145" name="Rectangle 144"/>
+            <p:cNvSpPr/>
+            <p:nvPr/>
+          </p:nvSpPr>
+          <p:spPr>
+            <a:xfrm>
+              <a:off x="4870910" y="5053727"/>
+              <a:ext cx="4643501" cy="1334202"/>
+            </a:xfrm>
+            <a:prstGeom prst="rect">
+              <a:avLst/>
+            </a:prstGeom>
+            <a:solidFill>
+              <a:schemeClr val="accent2">
+                <a:lumMod val="20000"/>
+                <a:lumOff val="80000"/>
+              </a:schemeClr>
+            </a:solidFill>
+            <a:ln>
+              <a:solidFill>
+                <a:schemeClr val="tx1"/>
+              </a:solidFill>
+            </a:ln>
+          </p:spPr>
+          <p:style>
+            <a:lnRef idx="2">
+              <a:schemeClr val="accent1">
+                <a:shade val="50000"/>
+              </a:schemeClr>
+            </a:lnRef>
+            <a:fillRef idx="1">
+              <a:schemeClr val="accent1"/>
+            </a:fillRef>
+            <a:effectRef idx="0">
+              <a:schemeClr val="accent1"/>
+            </a:effectRef>
+            <a:fontRef idx="minor">
+              <a:schemeClr val="lt1"/>
+            </a:fontRef>
+          </p:style>
+          <p:txBody>
+            <a:bodyPr rtlCol="0" anchor="ctr"/>
+            <a:lstStyle/>
+            <a:p>
+              <a:pPr algn="ctr"/>
+              <a:endParaRPr lang="fr-FR"/>
+            </a:p>
+          </p:txBody>
+        </p:sp>
+        <p:sp>
+          <p:nvSpPr>
+            <p:cNvPr id="147" name="ZoneTexte 146"/>
+            <p:cNvSpPr txBox="1"/>
+            <p:nvPr/>
+          </p:nvSpPr>
+          <p:spPr>
+            <a:xfrm>
+              <a:off x="4946740" y="5129969"/>
+              <a:ext cx="1344264" cy="338554"/>
+            </a:xfrm>
+            <a:prstGeom prst="rect">
+              <a:avLst/>
+            </a:prstGeom>
+            <a:noFill/>
+          </p:spPr>
+          <p:txBody>
+            <a:bodyPr wrap="square" rtlCol="0">
+              <a:spAutoFit/>
+            </a:bodyPr>
+            <a:lstStyle/>
+            <a:p>
+              <a:r>
+                <a:rPr lang="fr-FR" sz="1600" b="1" smtClean="0"/>
+                <a:t>Boite</a:t>
+              </a:r>
+              <a:endParaRPr lang="fr-FR" sz="1600" b="1" dirty="0"/>
+            </a:p>
+          </p:txBody>
+        </p:sp>
+        <p:grpSp>
+          <p:nvGrpSpPr>
+            <p:cNvPr id="14" name="Groupe 13"/>
+            <p:cNvGrpSpPr/>
+            <p:nvPr/>
+          </p:nvGrpSpPr>
+          <p:grpSpPr>
+            <a:xfrm>
+              <a:off x="2695890" y="5655051"/>
+              <a:ext cx="428835" cy="103357"/>
+              <a:chOff x="2695890" y="5655051"/>
+              <a:chExt cx="428835" cy="103357"/>
+            </a:xfrm>
+          </p:grpSpPr>
+          <p:cxnSp>
+            <p:nvCxnSpPr>
+              <p:cNvPr id="148" name="Connecteur droit 147"/>
+              <p:cNvCxnSpPr/>
+              <p:nvPr/>
+            </p:nvCxnSpPr>
+            <p:spPr>
+              <a:xfrm>
+                <a:off x="2796433" y="5720827"/>
+                <a:ext cx="328292" cy="2609"/>
+              </a:xfrm>
+              <a:prstGeom prst="line">
+                <a:avLst/>
+              </a:prstGeom>
+              <a:ln w="12700">
+                <a:solidFill>
+                  <a:schemeClr val="tx1"/>
+                </a:solidFill>
+              </a:ln>
+            </p:spPr>
+            <p:style>
+              <a:lnRef idx="1">
+                <a:schemeClr val="accent1"/>
+              </a:lnRef>
+              <a:fillRef idx="0">
+                <a:schemeClr val="accent1"/>
+              </a:fillRef>
+              <a:effectRef idx="0">
+                <a:schemeClr val="accent1"/>
+              </a:effectRef>
+              <a:fontRef idx="minor">
+                <a:schemeClr val="tx1"/>
+              </a:fontRef>
+            </p:style>
+          </p:cxnSp>
+          <p:sp>
+            <p:nvSpPr>
+              <p:cNvPr id="149" name="Ellipse 148"/>
+              <p:cNvSpPr/>
+              <p:nvPr/>
+            </p:nvSpPr>
+            <p:spPr>
+              <a:xfrm>
+                <a:off x="2695890" y="5655051"/>
+                <a:ext cx="100543" cy="103357"/>
+              </a:xfrm>
+              <a:prstGeom prst="ellipse">
+                <a:avLst/>
+              </a:prstGeom>
+            </p:spPr>
+            <p:style>
+              <a:lnRef idx="2">
+                <a:schemeClr val="dk1">
+                  <a:shade val="50000"/>
+                </a:schemeClr>
+              </a:lnRef>
+              <a:fillRef idx="1">
+                <a:schemeClr val="dk1"/>
+              </a:fillRef>
+              <a:effectRef idx="0">
+                <a:schemeClr val="dk1"/>
+              </a:effectRef>
+              <a:fontRef idx="minor">
+                <a:schemeClr val="lt1"/>
+              </a:fontRef>
+            </p:style>
+            <p:txBody>
+              <a:bodyPr rtlCol="0" anchor="ctr"/>
+              <a:lstStyle/>
+              <a:p>
+                <a:pPr algn="ctr"/>
+                <a:endParaRPr lang="fr-FR"/>
+              </a:p>
+            </p:txBody>
+          </p:sp>
+        </p:grpSp>
+        <p:sp>
+          <p:nvSpPr>
+            <p:cNvPr id="151" name="ZoneTexte 150"/>
+            <p:cNvSpPr txBox="1"/>
+            <p:nvPr/>
+          </p:nvSpPr>
+          <p:spPr>
+            <a:xfrm>
+              <a:off x="2256643" y="5910191"/>
+              <a:ext cx="614271" cy="276999"/>
+            </a:xfrm>
+            <a:prstGeom prst="rect">
+              <a:avLst/>
+            </a:prstGeom>
+            <a:noFill/>
+          </p:spPr>
+          <p:txBody>
+            <a:bodyPr wrap="none" rtlCol="0">
+              <a:spAutoFit/>
+            </a:bodyPr>
+            <a:lstStyle/>
+            <a:p>
+              <a:r>
+                <a:rPr lang="fr-FR" sz="1200" b="1" dirty="0" err="1" smtClean="0">
+                  <a:latin typeface="Batang" panose="02030600000101010101" pitchFamily="18" charset="-127"/>
+                  <a:ea typeface="Batang" panose="02030600000101010101" pitchFamily="18" charset="-127"/>
+                </a:rPr>
+                <a:t>IBoite</a:t>
+              </a:r>
+              <a:endParaRPr lang="fr-FR" sz="1200" b="1" dirty="0">
+                <a:latin typeface="Batang" panose="02030600000101010101" pitchFamily="18" charset="-127"/>
+                <a:ea typeface="Batang" panose="02030600000101010101" pitchFamily="18" charset="-127"/>
+              </a:endParaRPr>
+            </a:p>
+          </p:txBody>
+        </p:sp>
+        <p:grpSp>
+          <p:nvGrpSpPr>
+            <p:cNvPr id="152" name="Groupe 151"/>
+            <p:cNvGrpSpPr/>
+            <p:nvPr/>
+          </p:nvGrpSpPr>
+          <p:grpSpPr>
+            <a:xfrm>
+              <a:off x="2681798" y="3966532"/>
+              <a:ext cx="428835" cy="103357"/>
+              <a:chOff x="2695890" y="5655051"/>
+              <a:chExt cx="428835" cy="103357"/>
+            </a:xfrm>
+          </p:grpSpPr>
+          <p:cxnSp>
+            <p:nvCxnSpPr>
+              <p:cNvPr id="153" name="Connecteur droit 152"/>
+              <p:cNvCxnSpPr/>
+              <p:nvPr/>
+            </p:nvCxnSpPr>
+            <p:spPr>
+              <a:xfrm>
+                <a:off x="2796433" y="5720827"/>
+                <a:ext cx="328292" cy="2609"/>
+              </a:xfrm>
+              <a:prstGeom prst="line">
+                <a:avLst/>
+              </a:prstGeom>
+              <a:ln w="12700">
+                <a:solidFill>
+                  <a:schemeClr val="tx1"/>
+                </a:solidFill>
+              </a:ln>
+            </p:spPr>
+            <p:style>
+              <a:lnRef idx="1">
+                <a:schemeClr val="accent1"/>
+              </a:lnRef>
+              <a:fillRef idx="0">
+                <a:schemeClr val="accent1"/>
+              </a:fillRef>
+              <a:effectRef idx="0">
+                <a:schemeClr val="accent1"/>
+              </a:effectRef>
+              <a:fontRef idx="minor">
+                <a:schemeClr val="tx1"/>
+              </a:fontRef>
+            </p:style>
+          </p:cxnSp>
+          <p:sp>
+            <p:nvSpPr>
+              <p:cNvPr id="154" name="Ellipse 153"/>
+              <p:cNvSpPr/>
+              <p:nvPr/>
+            </p:nvSpPr>
+            <p:spPr>
+              <a:xfrm>
+                <a:off x="2695890" y="5655051"/>
+                <a:ext cx="100543" cy="103357"/>
+              </a:xfrm>
+              <a:prstGeom prst="ellipse">
+                <a:avLst/>
+              </a:prstGeom>
+            </p:spPr>
+            <p:style>
+              <a:lnRef idx="2">
+                <a:schemeClr val="dk1">
+                  <a:shade val="50000"/>
+                </a:schemeClr>
+              </a:lnRef>
+              <a:fillRef idx="1">
+                <a:schemeClr val="dk1"/>
+              </a:fillRef>
+              <a:effectRef idx="0">
+                <a:schemeClr val="dk1"/>
+              </a:effectRef>
+              <a:fontRef idx="minor">
+                <a:schemeClr val="lt1"/>
+              </a:fontRef>
+            </p:style>
+            <p:txBody>
+              <a:bodyPr rtlCol="0" anchor="ctr"/>
+              <a:lstStyle/>
+              <a:p>
+                <a:pPr algn="ctr"/>
+                <a:endParaRPr lang="fr-FR"/>
+              </a:p>
+            </p:txBody>
+          </p:sp>
+        </p:grpSp>
+        <p:grpSp>
+          <p:nvGrpSpPr>
+            <p:cNvPr id="155" name="Groupe 154"/>
+            <p:cNvGrpSpPr/>
+            <p:nvPr/>
+          </p:nvGrpSpPr>
+          <p:grpSpPr>
+            <a:xfrm>
+              <a:off x="2681798" y="3194097"/>
+              <a:ext cx="428835" cy="103357"/>
+              <a:chOff x="2695890" y="5655051"/>
+              <a:chExt cx="428835" cy="103357"/>
+            </a:xfrm>
+          </p:grpSpPr>
+          <p:cxnSp>
+            <p:nvCxnSpPr>
+              <p:cNvPr id="156" name="Connecteur droit 155"/>
+              <p:cNvCxnSpPr/>
+              <p:nvPr/>
+            </p:nvCxnSpPr>
+            <p:spPr>
+              <a:xfrm>
+                <a:off x="2796433" y="5720827"/>
+                <a:ext cx="328292" cy="2609"/>
+              </a:xfrm>
+              <a:prstGeom prst="line">
+                <a:avLst/>
+              </a:prstGeom>
+              <a:ln w="12700">
+                <a:solidFill>
+                  <a:schemeClr val="tx1"/>
+                </a:solidFill>
+              </a:ln>
+            </p:spPr>
+            <p:style>
+              <a:lnRef idx="1">
+                <a:schemeClr val="accent1"/>
+              </a:lnRef>
+              <a:fillRef idx="0">
+                <a:schemeClr val="accent1"/>
+              </a:fillRef>
+              <a:effectRef idx="0">
+                <a:schemeClr val="accent1"/>
+              </a:effectRef>
+              <a:fontRef idx="minor">
+                <a:schemeClr val="tx1"/>
+              </a:fontRef>
+            </p:style>
+          </p:cxnSp>
+          <p:sp>
+            <p:nvSpPr>
+              <p:cNvPr id="157" name="Ellipse 156"/>
+              <p:cNvSpPr/>
+              <p:nvPr/>
+            </p:nvSpPr>
+            <p:spPr>
+              <a:xfrm>
+                <a:off x="2695890" y="5655051"/>
+                <a:ext cx="100543" cy="103357"/>
+              </a:xfrm>
+              <a:prstGeom prst="ellipse">
+                <a:avLst/>
+              </a:prstGeom>
+            </p:spPr>
+            <p:style>
+              <a:lnRef idx="2">
+                <a:schemeClr val="dk1">
+                  <a:shade val="50000"/>
+                </a:schemeClr>
+              </a:lnRef>
+              <a:fillRef idx="1">
+                <a:schemeClr val="dk1"/>
+              </a:fillRef>
+              <a:effectRef idx="0">
+                <a:schemeClr val="dk1"/>
+              </a:effectRef>
+              <a:fontRef idx="minor">
+                <a:schemeClr val="lt1"/>
+              </a:fontRef>
+            </p:style>
+            <p:txBody>
+              <a:bodyPr rtlCol="0" anchor="ctr"/>
+              <a:lstStyle/>
+              <a:p>
+                <a:pPr algn="ctr"/>
+                <a:endParaRPr lang="fr-FR"/>
+              </a:p>
+            </p:txBody>
+          </p:sp>
+        </p:grpSp>
+        <p:sp>
+          <p:nvSpPr>
+            <p:cNvPr id="158" name="ZoneTexte 157"/>
+            <p:cNvSpPr txBox="1"/>
+            <p:nvPr/>
+          </p:nvSpPr>
+          <p:spPr>
+            <a:xfrm>
+              <a:off x="2256644" y="4166229"/>
+              <a:ext cx="848309" cy="276999"/>
+            </a:xfrm>
+            <a:prstGeom prst="rect">
+              <a:avLst/>
+            </a:prstGeom>
+            <a:noFill/>
+          </p:spPr>
+          <p:txBody>
+            <a:bodyPr wrap="none" rtlCol="0">
+              <a:spAutoFit/>
+            </a:bodyPr>
+            <a:lstStyle/>
+            <a:p>
+              <a:r>
+                <a:rPr lang="fr-FR" sz="1200" b="1" dirty="0" err="1" smtClean="0">
+                  <a:latin typeface="Batang" panose="02030600000101010101" pitchFamily="18" charset="-127"/>
+                  <a:ea typeface="Batang" panose="02030600000101010101" pitchFamily="18" charset="-127"/>
+                </a:rPr>
+                <a:t>ICreation</a:t>
+              </a:r>
+              <a:endParaRPr lang="fr-FR" sz="1200" b="1" dirty="0">
+                <a:latin typeface="Batang" panose="02030600000101010101" pitchFamily="18" charset="-127"/>
+                <a:ea typeface="Batang" panose="02030600000101010101" pitchFamily="18" charset="-127"/>
+              </a:endParaRPr>
+            </a:p>
+          </p:txBody>
+        </p:sp>
+        <p:sp>
+          <p:nvSpPr>
+            <p:cNvPr id="159" name="ZoneTexte 158"/>
+            <p:cNvSpPr txBox="1"/>
+            <p:nvPr/>
+          </p:nvSpPr>
+          <p:spPr>
+            <a:xfrm>
+              <a:off x="2248382" y="3337507"/>
+              <a:ext cx="652743" cy="276999"/>
+            </a:xfrm>
+            <a:prstGeom prst="rect">
+              <a:avLst/>
+            </a:prstGeom>
+            <a:noFill/>
+          </p:spPr>
+          <p:txBody>
+            <a:bodyPr wrap="none" rtlCol="0">
+              <a:spAutoFit/>
+            </a:bodyPr>
+            <a:lstStyle/>
+            <a:p>
+              <a:r>
+                <a:rPr lang="fr-FR" sz="1200" b="1" dirty="0" err="1" smtClean="0">
+                  <a:latin typeface="Batang" panose="02030600000101010101" pitchFamily="18" charset="-127"/>
+                  <a:ea typeface="Batang" panose="02030600000101010101" pitchFamily="18" charset="-127"/>
+                </a:rPr>
+                <a:t>IRobot</a:t>
+              </a:r>
+              <a:endParaRPr lang="fr-FR" sz="1200" b="1" dirty="0">
+                <a:latin typeface="Batang" panose="02030600000101010101" pitchFamily="18" charset="-127"/>
+                <a:ea typeface="Batang" panose="02030600000101010101" pitchFamily="18" charset="-127"/>
+              </a:endParaRPr>
+            </a:p>
+          </p:txBody>
+        </p:sp>
+        <p:grpSp>
+          <p:nvGrpSpPr>
+            <p:cNvPr id="160" name="Groupe 159"/>
+            <p:cNvGrpSpPr/>
+            <p:nvPr/>
+          </p:nvGrpSpPr>
+          <p:grpSpPr>
+            <a:xfrm rot="10800000">
+              <a:off x="2117898" y="2841206"/>
+              <a:ext cx="428835" cy="103357"/>
+              <a:chOff x="2695890" y="5655051"/>
+              <a:chExt cx="428835" cy="103357"/>
+            </a:xfrm>
+          </p:grpSpPr>
+          <p:cxnSp>
+            <p:nvCxnSpPr>
+              <p:cNvPr id="161" name="Connecteur droit 160"/>
+              <p:cNvCxnSpPr/>
+              <p:nvPr/>
+            </p:nvCxnSpPr>
+            <p:spPr>
+              <a:xfrm>
+                <a:off x="2796433" y="5720827"/>
+                <a:ext cx="328292" cy="2609"/>
+              </a:xfrm>
+              <a:prstGeom prst="line">
+                <a:avLst/>
+              </a:prstGeom>
+              <a:ln w="12700">
+                <a:solidFill>
+                  <a:schemeClr val="tx1"/>
+                </a:solidFill>
+              </a:ln>
+            </p:spPr>
+            <p:style>
+              <a:lnRef idx="1">
+                <a:schemeClr val="accent1"/>
+              </a:lnRef>
+              <a:fillRef idx="0">
+                <a:schemeClr val="accent1"/>
+              </a:fillRef>
+              <a:effectRef idx="0">
+                <a:schemeClr val="accent1"/>
+              </a:effectRef>
+              <a:fontRef idx="minor">
+                <a:schemeClr val="tx1"/>
+              </a:fontRef>
+            </p:style>
+          </p:cxnSp>
+          <p:sp>
+            <p:nvSpPr>
+              <p:cNvPr id="162" name="Ellipse 161"/>
+              <p:cNvSpPr/>
+              <p:nvPr/>
+            </p:nvSpPr>
+            <p:spPr>
+              <a:xfrm>
+                <a:off x="2695890" y="5655051"/>
+                <a:ext cx="100543" cy="103357"/>
+              </a:xfrm>
+              <a:prstGeom prst="ellipse">
+                <a:avLst/>
+              </a:prstGeom>
+            </p:spPr>
+            <p:style>
+              <a:lnRef idx="2">
+                <a:schemeClr val="dk1">
+                  <a:shade val="50000"/>
+                </a:schemeClr>
+              </a:lnRef>
+              <a:fillRef idx="1">
+                <a:schemeClr val="dk1"/>
+              </a:fillRef>
+              <a:effectRef idx="0">
+                <a:schemeClr val="dk1"/>
+              </a:effectRef>
+              <a:fontRef idx="minor">
+                <a:schemeClr val="lt1"/>
+              </a:fontRef>
+            </p:style>
+            <p:txBody>
+              <a:bodyPr rtlCol="0" anchor="ctr"/>
+              <a:lstStyle/>
+              <a:p>
+                <a:pPr algn="ctr"/>
+                <a:endParaRPr lang="fr-FR"/>
+              </a:p>
+            </p:txBody>
+          </p:sp>
+        </p:grpSp>
+        <p:grpSp>
+          <p:nvGrpSpPr>
+            <p:cNvPr id="163" name="Groupe 162"/>
+            <p:cNvGrpSpPr/>
+            <p:nvPr/>
+          </p:nvGrpSpPr>
+          <p:grpSpPr>
+            <a:xfrm rot="10800000">
+              <a:off x="2129035" y="2513665"/>
+              <a:ext cx="428835" cy="103357"/>
+              <a:chOff x="2695890" y="5655051"/>
+              <a:chExt cx="428835" cy="103357"/>
+            </a:xfrm>
+          </p:grpSpPr>
+          <p:cxnSp>
+            <p:nvCxnSpPr>
+              <p:cNvPr id="164" name="Connecteur droit 163"/>
+              <p:cNvCxnSpPr/>
+              <p:nvPr/>
+            </p:nvCxnSpPr>
+            <p:spPr>
+              <a:xfrm>
+                <a:off x="2796433" y="5720827"/>
+                <a:ext cx="328292" cy="2609"/>
+              </a:xfrm>
+              <a:prstGeom prst="line">
+                <a:avLst/>
+              </a:prstGeom>
+              <a:ln w="12700">
+                <a:solidFill>
+                  <a:schemeClr val="tx1"/>
+                </a:solidFill>
+              </a:ln>
+            </p:spPr>
+            <p:style>
+              <a:lnRef idx="1">
+                <a:schemeClr val="accent1"/>
+              </a:lnRef>
+              <a:fillRef idx="0">
+                <a:schemeClr val="accent1"/>
+              </a:fillRef>
+              <a:effectRef idx="0">
+                <a:schemeClr val="accent1"/>
+              </a:effectRef>
+              <a:fontRef idx="minor">
+                <a:schemeClr val="tx1"/>
+              </a:fontRef>
+            </p:style>
+          </p:cxnSp>
+          <p:sp>
+            <p:nvSpPr>
+              <p:cNvPr id="165" name="Ellipse 164"/>
+              <p:cNvSpPr/>
+              <p:nvPr/>
+            </p:nvSpPr>
+            <p:spPr>
+              <a:xfrm>
+                <a:off x="2695890" y="5655051"/>
+                <a:ext cx="100543" cy="103357"/>
+              </a:xfrm>
+              <a:prstGeom prst="ellipse">
+                <a:avLst/>
+              </a:prstGeom>
+            </p:spPr>
+            <p:style>
+              <a:lnRef idx="2">
+                <a:schemeClr val="dk1">
+                  <a:shade val="50000"/>
+                </a:schemeClr>
+              </a:lnRef>
+              <a:fillRef idx="1">
+                <a:schemeClr val="dk1"/>
+              </a:fillRef>
+              <a:effectRef idx="0">
+                <a:schemeClr val="dk1"/>
+              </a:effectRef>
+              <a:fontRef idx="minor">
+                <a:schemeClr val="lt1"/>
+              </a:fontRef>
+            </p:style>
+            <p:txBody>
+              <a:bodyPr rtlCol="0" anchor="ctr"/>
+              <a:lstStyle/>
+              <a:p>
+                <a:pPr algn="ctr"/>
+                <a:endParaRPr lang="fr-FR"/>
+              </a:p>
+            </p:txBody>
+          </p:sp>
+        </p:grpSp>
+        <p:sp>
+          <p:nvSpPr>
+            <p:cNvPr id="172" name="ZoneTexte 171"/>
+            <p:cNvSpPr txBox="1"/>
+            <p:nvPr/>
+          </p:nvSpPr>
+          <p:spPr>
+            <a:xfrm>
+              <a:off x="877705" y="2584761"/>
+              <a:ext cx="1633781" cy="276999"/>
+            </a:xfrm>
+            <a:prstGeom prst="rect">
+              <a:avLst/>
+            </a:prstGeom>
+            <a:noFill/>
+          </p:spPr>
+          <p:txBody>
+            <a:bodyPr wrap="none" rtlCol="0">
+              <a:spAutoFit/>
+            </a:bodyPr>
+            <a:lstStyle/>
+            <a:p>
+              <a:r>
+                <a:rPr lang="fr-FR" sz="1200" b="1" dirty="0" err="1" smtClean="0">
+                  <a:latin typeface="Batang" panose="02030600000101010101" pitchFamily="18" charset="-127"/>
+                  <a:ea typeface="Batang" panose="02030600000101010101" pitchFamily="18" charset="-127"/>
+                </a:rPr>
+                <a:t>ICreationEcosystem</a:t>
+              </a:r>
+              <a:endParaRPr lang="fr-FR" sz="1200" b="1" dirty="0">
+                <a:latin typeface="Batang" panose="02030600000101010101" pitchFamily="18" charset="-127"/>
+                <a:ea typeface="Batang" panose="02030600000101010101" pitchFamily="18" charset="-127"/>
+              </a:endParaRPr>
+            </a:p>
+          </p:txBody>
+        </p:sp>
+        <p:sp>
+          <p:nvSpPr>
+            <p:cNvPr id="173" name="ZoneTexte 172"/>
+            <p:cNvSpPr txBox="1"/>
+            <p:nvPr/>
+          </p:nvSpPr>
+          <p:spPr>
+            <a:xfrm>
+              <a:off x="1658554" y="2276585"/>
+              <a:ext cx="769763" cy="461665"/>
+            </a:xfrm>
+            <a:prstGeom prst="rect">
+              <a:avLst/>
+            </a:prstGeom>
+            <a:noFill/>
+          </p:spPr>
+          <p:txBody>
+            <a:bodyPr wrap="none" rtlCol="0">
+              <a:spAutoFit/>
+            </a:bodyPr>
+            <a:lstStyle/>
+            <a:p>
+              <a:r>
+                <a:rPr lang="fr-FR" sz="1200" b="1" dirty="0" err="1" smtClean="0">
+                  <a:latin typeface="Batang" panose="02030600000101010101" pitchFamily="18" charset="-127"/>
+                  <a:ea typeface="Batang" panose="02030600000101010101" pitchFamily="18" charset="-127"/>
+                </a:rPr>
+                <a:t>Icontrol</a:t>
+              </a:r>
+              <a:endParaRPr lang="fr-FR" sz="1200" b="1" dirty="0" smtClean="0">
+                <a:latin typeface="Batang" panose="02030600000101010101" pitchFamily="18" charset="-127"/>
+                <a:ea typeface="Batang" panose="02030600000101010101" pitchFamily="18" charset="-127"/>
+              </a:endParaRPr>
+            </a:p>
+            <a:p>
+              <a:endParaRPr lang="fr-FR" sz="1200" b="1" dirty="0">
+                <a:latin typeface="Batang" panose="02030600000101010101" pitchFamily="18" charset="-127"/>
+                <a:ea typeface="Batang" panose="02030600000101010101" pitchFamily="18" charset="-127"/>
+              </a:endParaRPr>
+            </a:p>
+          </p:txBody>
+        </p:sp>
         <p:cxnSp>
           <p:nvCxnSpPr>
-            <p:cNvPr id="7" name="Connecteur droit 6"/>
+            <p:cNvPr id="174" name="Connecteur droit 173"/>
             <p:cNvCxnSpPr/>
             <p:nvPr/>
           </p:nvCxnSpPr>
           <p:spPr>
-            <a:xfrm>
-              <a:off x="1909720" y="1391830"/>
-              <a:ext cx="291314" cy="0"/>
+            <a:xfrm rot="16200000">
+              <a:off x="357065" y="3229363"/>
+              <a:ext cx="375492" cy="0"/>
             </a:xfrm>
             <a:prstGeom prst="line">
               <a:avLst/>
@@ -3065,104 +5542,14 @@
         </p:cxnSp>
         <p:sp>
           <p:nvSpPr>
-            <p:cNvPr id="8" name="Ellipse 7"/>
+            <p:cNvPr id="175" name="Arc plein 174"/>
             <p:cNvSpPr/>
             <p:nvPr/>
           </p:nvSpPr>
           <p:spPr>
             <a:xfrm>
-              <a:off x="2201034" y="1339232"/>
-              <a:ext cx="103513" cy="109002"/>
-            </a:xfrm>
-            <a:prstGeom prst="ellipse">
-              <a:avLst/>
-            </a:prstGeom>
-          </p:spPr>
-          <p:style>
-            <a:lnRef idx="2">
-              <a:schemeClr val="dk1">
-                <a:shade val="50000"/>
-              </a:schemeClr>
-            </a:lnRef>
-            <a:fillRef idx="1">
-              <a:schemeClr val="dk1"/>
-            </a:fillRef>
-            <a:effectRef idx="0">
-              <a:schemeClr val="dk1"/>
-            </a:effectRef>
-            <a:fontRef idx="minor">
-              <a:schemeClr val="lt1"/>
-            </a:fontRef>
-          </p:style>
-          <p:txBody>
-            <a:bodyPr rtlCol="0" anchor="ctr"/>
-            <a:lstStyle/>
-            <a:p>
-              <a:pPr algn="ctr"/>
-              <a:endParaRPr lang="fr-FR"/>
-            </a:p>
-          </p:txBody>
-        </p:sp>
-      </p:grpSp>
-      <p:grpSp>
-        <p:nvGrpSpPr>
-          <p:cNvPr id="19" name="Groupe 18"/>
-          <p:cNvGrpSpPr/>
-          <p:nvPr/>
-        </p:nvGrpSpPr>
-        <p:grpSpPr>
-          <a:xfrm>
-            <a:off x="2460942" y="1998733"/>
-            <a:ext cx="504644" cy="120422"/>
-            <a:chOff x="1578763" y="1946135"/>
-            <a:chExt cx="504644" cy="120422"/>
-          </a:xfrm>
-        </p:grpSpPr>
-        <p:cxnSp>
-          <p:nvCxnSpPr>
-            <p:cNvPr id="11" name="Connecteur droit 10"/>
-            <p:cNvCxnSpPr/>
-            <p:nvPr/>
-          </p:nvCxnSpPr>
-          <p:spPr>
-            <a:xfrm>
-              <a:off x="1687407" y="1998733"/>
-              <a:ext cx="396000" cy="0"/>
-            </a:xfrm>
-            <a:prstGeom prst="line">
-              <a:avLst/>
-            </a:prstGeom>
-            <a:ln w="12700">
-              <a:solidFill>
-                <a:schemeClr val="tx1"/>
-              </a:solidFill>
-            </a:ln>
-          </p:spPr>
-          <p:style>
-            <a:lnRef idx="1">
-              <a:schemeClr val="accent1"/>
-            </a:lnRef>
-            <a:fillRef idx="0">
-              <a:schemeClr val="accent1"/>
-            </a:fillRef>
-            <a:effectRef idx="0">
-              <a:schemeClr val="accent1"/>
-            </a:effectRef>
-            <a:fontRef idx="minor">
-              <a:schemeClr val="tx1"/>
-            </a:fontRef>
-          </p:style>
-        </p:cxnSp>
-        <p:sp>
-          <p:nvSpPr>
-            <p:cNvPr id="12" name="Arc plein 11"/>
-            <p:cNvSpPr/>
-            <p:nvPr/>
-          </p:nvSpPr>
-          <p:spPr>
-            <a:xfrm rot="5400000">
-              <a:off x="1577400" y="1947498"/>
-              <a:ext cx="120422" cy="117696"/>
+              <a:off x="493723" y="3408526"/>
+              <a:ext cx="116966" cy="111601"/>
             </a:xfrm>
             <a:prstGeom prst="blockArc">
               <a:avLst/>
@@ -3197,33 +5584,16 @@
             </a:p>
           </p:txBody>
         </p:sp>
-      </p:grpSp>
-      <p:grpSp>
-        <p:nvGrpSpPr>
-          <p:cNvPr id="21" name="Groupe 20"/>
-          <p:cNvGrpSpPr/>
-          <p:nvPr/>
-        </p:nvGrpSpPr>
-        <p:grpSpPr>
-          <a:xfrm>
-            <a:off x="1944939" y="1998733"/>
-            <a:ext cx="427050" cy="109002"/>
-            <a:chOff x="1816846" y="1356760"/>
-            <a:chExt cx="427050" cy="109002"/>
-          </a:xfrm>
-        </p:grpSpPr>
         <p:cxnSp>
           <p:nvCxnSpPr>
-            <p:cNvPr id="22" name="Connecteur droit 21"/>
-            <p:cNvCxnSpPr>
-              <a:stCxn id="20" idx="3"/>
-            </p:cNvCxnSpPr>
+            <p:cNvPr id="176" name="Connecteur droit 175"/>
+            <p:cNvCxnSpPr/>
             <p:nvPr/>
           </p:nvCxnSpPr>
           <p:spPr>
-            <a:xfrm>
-              <a:off x="1816846" y="1409358"/>
-              <a:ext cx="318427" cy="0"/>
+            <a:xfrm rot="16200000">
+              <a:off x="877075" y="3236558"/>
+              <a:ext cx="375492" cy="0"/>
             </a:xfrm>
             <a:prstGeom prst="line">
               <a:avLst/>
@@ -3251,16 +5621,16 @@
         </p:cxnSp>
         <p:sp>
           <p:nvSpPr>
-            <p:cNvPr id="23" name="Ellipse 22"/>
+            <p:cNvPr id="177" name="Arc plein 176"/>
             <p:cNvSpPr/>
             <p:nvPr/>
           </p:nvSpPr>
           <p:spPr>
             <a:xfrm>
-              <a:off x="2140383" y="1356760"/>
-              <a:ext cx="103513" cy="109002"/>
+              <a:off x="1013733" y="3415721"/>
+              <a:ext cx="116966" cy="111601"/>
             </a:xfrm>
-            <a:prstGeom prst="ellipse">
+            <a:prstGeom prst="blockArc">
               <a:avLst/>
             </a:prstGeom>
           </p:spPr>
@@ -3285,35 +5655,227 @@
             <a:lstStyle/>
             <a:p>
               <a:pPr algn="ctr"/>
-              <a:endParaRPr lang="fr-FR"/>
+              <a:endParaRPr lang="fr-FR">
+                <a:solidFill>
+                  <a:schemeClr val="tx1"/>
+                </a:solidFill>
+              </a:endParaRPr>
             </a:p>
           </p:txBody>
         </p:sp>
-      </p:grpSp>
-      <p:grpSp>
-        <p:nvGrpSpPr>
-          <p:cNvPr id="37" name="Groupe 36"/>
-          <p:cNvGrpSpPr/>
-          <p:nvPr/>
-        </p:nvGrpSpPr>
-        <p:grpSpPr>
-          <a:xfrm>
-            <a:off x="205165" y="1557737"/>
-            <a:ext cx="1739774" cy="987188"/>
-            <a:chOff x="205165" y="1557737"/>
-            <a:chExt cx="1739774" cy="987188"/>
-          </a:xfrm>
-        </p:grpSpPr>
+        <p:cxnSp>
+          <p:nvCxnSpPr>
+            <p:cNvPr id="178" name="Connecteur droit 177"/>
+            <p:cNvCxnSpPr/>
+            <p:nvPr/>
+          </p:nvCxnSpPr>
+          <p:spPr>
+            <a:xfrm rot="16200000">
+              <a:off x="1432501" y="3227975"/>
+              <a:ext cx="375492" cy="0"/>
+            </a:xfrm>
+            <a:prstGeom prst="line">
+              <a:avLst/>
+            </a:prstGeom>
+            <a:ln w="12700">
+              <a:solidFill>
+                <a:schemeClr val="tx1"/>
+              </a:solidFill>
+            </a:ln>
+          </p:spPr>
+          <p:style>
+            <a:lnRef idx="1">
+              <a:schemeClr val="accent1"/>
+            </a:lnRef>
+            <a:fillRef idx="0">
+              <a:schemeClr val="accent1"/>
+            </a:fillRef>
+            <a:effectRef idx="0">
+              <a:schemeClr val="accent1"/>
+            </a:effectRef>
+            <a:fontRef idx="minor">
+              <a:schemeClr val="tx1"/>
+            </a:fontRef>
+          </p:style>
+        </p:cxnSp>
         <p:sp>
           <p:nvSpPr>
-            <p:cNvPr id="20" name="Rectangle 19"/>
+            <p:cNvPr id="179" name="Arc plein 178"/>
             <p:cNvSpPr/>
             <p:nvPr/>
           </p:nvSpPr>
           <p:spPr>
             <a:xfrm>
-              <a:off x="205165" y="1557737"/>
-              <a:ext cx="1739774" cy="987188"/>
+              <a:off x="1569159" y="3407138"/>
+              <a:ext cx="116966" cy="111601"/>
+            </a:xfrm>
+            <a:prstGeom prst="blockArc">
+              <a:avLst/>
+            </a:prstGeom>
+          </p:spPr>
+          <p:style>
+            <a:lnRef idx="2">
+              <a:schemeClr val="dk1">
+                <a:shade val="50000"/>
+              </a:schemeClr>
+            </a:lnRef>
+            <a:fillRef idx="1">
+              <a:schemeClr val="dk1"/>
+            </a:fillRef>
+            <a:effectRef idx="0">
+              <a:schemeClr val="dk1"/>
+            </a:effectRef>
+            <a:fontRef idx="minor">
+              <a:schemeClr val="lt1"/>
+            </a:fontRef>
+          </p:style>
+          <p:txBody>
+            <a:bodyPr rtlCol="0" anchor="ctr"/>
+            <a:lstStyle/>
+            <a:p>
+              <a:pPr algn="ctr"/>
+              <a:endParaRPr lang="fr-FR">
+                <a:solidFill>
+                  <a:schemeClr val="tx1"/>
+                </a:solidFill>
+              </a:endParaRPr>
+            </a:p>
+          </p:txBody>
+        </p:sp>
+        <p:cxnSp>
+          <p:nvCxnSpPr>
+            <p:cNvPr id="180" name="Connecteur en angle 179"/>
+            <p:cNvCxnSpPr>
+              <a:stCxn id="175" idx="2"/>
+              <a:endCxn id="149" idx="0"/>
+            </p:cNvCxnSpPr>
+            <p:nvPr/>
+          </p:nvCxnSpPr>
+          <p:spPr>
+            <a:xfrm rot="16200000" flipH="1">
+              <a:off x="553822" y="3462711"/>
+              <a:ext cx="2190724" cy="2193956"/>
+            </a:xfrm>
+            <a:prstGeom prst="bentConnector3">
+              <a:avLst>
+                <a:gd name="adj1" fmla="val 102322"/>
+              </a:avLst>
+            </a:prstGeom>
+            <a:ln>
+              <a:solidFill>
+                <a:schemeClr val="tx1"/>
+              </a:solidFill>
+              <a:prstDash val="dash"/>
+            </a:ln>
+          </p:spPr>
+          <p:style>
+            <a:lnRef idx="1">
+              <a:schemeClr val="accent1"/>
+            </a:lnRef>
+            <a:fillRef idx="0">
+              <a:schemeClr val="accent1"/>
+            </a:fillRef>
+            <a:effectRef idx="0">
+              <a:schemeClr val="accent1"/>
+            </a:effectRef>
+            <a:fontRef idx="minor">
+              <a:schemeClr val="tx1"/>
+            </a:fontRef>
+          </p:style>
+        </p:cxnSp>
+        <p:cxnSp>
+          <p:nvCxnSpPr>
+            <p:cNvPr id="182" name="Connecteur en angle 181"/>
+            <p:cNvCxnSpPr>
+              <a:stCxn id="177" idx="2"/>
+              <a:endCxn id="154" idx="5"/>
+            </p:cNvCxnSpPr>
+            <p:nvPr/>
+          </p:nvCxnSpPr>
+          <p:spPr>
+            <a:xfrm rot="16200000" flipH="1">
+              <a:off x="1628301" y="2915436"/>
+              <a:ext cx="583231" cy="1695401"/>
+            </a:xfrm>
+            <a:prstGeom prst="bentConnector3">
+              <a:avLst>
+                <a:gd name="adj1" fmla="val 93211"/>
+              </a:avLst>
+            </a:prstGeom>
+            <a:ln>
+              <a:solidFill>
+                <a:schemeClr val="tx1"/>
+              </a:solidFill>
+              <a:prstDash val="dash"/>
+            </a:ln>
+          </p:spPr>
+          <p:style>
+            <a:lnRef idx="1">
+              <a:schemeClr val="accent1"/>
+            </a:lnRef>
+            <a:fillRef idx="0">
+              <a:schemeClr val="accent1"/>
+            </a:fillRef>
+            <a:effectRef idx="0">
+              <a:schemeClr val="accent1"/>
+            </a:effectRef>
+            <a:fontRef idx="minor">
+              <a:schemeClr val="tx1"/>
+            </a:fontRef>
+          </p:style>
+        </p:cxnSp>
+        <p:cxnSp>
+          <p:nvCxnSpPr>
+            <p:cNvPr id="187" name="Connecteur en angle 186"/>
+            <p:cNvCxnSpPr>
+              <a:stCxn id="179" idx="2"/>
+              <a:endCxn id="157" idx="2"/>
+            </p:cNvCxnSpPr>
+            <p:nvPr/>
+          </p:nvCxnSpPr>
+          <p:spPr>
+            <a:xfrm rot="5400000" flipH="1" flipV="1">
+              <a:off x="2046138" y="2827280"/>
+              <a:ext cx="217163" cy="1054156"/>
+            </a:xfrm>
+            <a:prstGeom prst="bentConnector4">
+              <a:avLst>
+                <a:gd name="adj1" fmla="val -105267"/>
+                <a:gd name="adj2" fmla="val 52774"/>
+              </a:avLst>
+            </a:prstGeom>
+            <a:ln>
+              <a:solidFill>
+                <a:schemeClr val="tx1"/>
+              </a:solidFill>
+              <a:prstDash val="dash"/>
+            </a:ln>
+          </p:spPr>
+          <p:style>
+            <a:lnRef idx="1">
+              <a:schemeClr val="accent1"/>
+            </a:lnRef>
+            <a:fillRef idx="0">
+              <a:schemeClr val="accent1"/>
+            </a:fillRef>
+            <a:effectRef idx="0">
+              <a:schemeClr val="accent1"/>
+            </a:effectRef>
+            <a:fontRef idx="minor">
+              <a:schemeClr val="tx1"/>
+            </a:fontRef>
+          </p:style>
+        </p:cxnSp>
+        <p:sp>
+          <p:nvSpPr>
+            <p:cNvPr id="190" name="Rectangle 189"/>
+            <p:cNvSpPr/>
+            <p:nvPr/>
+          </p:nvSpPr>
+          <p:spPr>
+            <a:xfrm>
+              <a:off x="9127091" y="2597171"/>
+              <a:ext cx="754094" cy="662702"/>
             </a:xfrm>
             <a:prstGeom prst="rect">
               <a:avLst/>
@@ -3357,190 +5919,20 @@
         </p:sp>
         <p:sp>
           <p:nvSpPr>
-            <p:cNvPr id="29" name="ZoneTexte 28"/>
-            <p:cNvSpPr txBox="1"/>
-            <p:nvPr/>
-          </p:nvSpPr>
-          <p:spPr>
-            <a:xfrm>
-              <a:off x="205165" y="1557737"/>
-              <a:ext cx="548548" cy="338554"/>
-            </a:xfrm>
-            <a:prstGeom prst="rect">
-              <a:avLst/>
-            </a:prstGeom>
-            <a:noFill/>
-          </p:spPr>
-          <p:txBody>
-            <a:bodyPr wrap="none" rtlCol="0">
-              <a:spAutoFit/>
-            </a:bodyPr>
-            <a:lstStyle/>
-            <a:p>
-              <a:r>
-                <a:rPr lang="fr-FR" sz="1600" b="1" dirty="0" smtClean="0"/>
-                <a:t>IHM</a:t>
-              </a:r>
-              <a:endParaRPr lang="fr-FR" sz="1600" b="1" dirty="0"/>
-            </a:p>
-          </p:txBody>
-        </p:sp>
-      </p:grpSp>
-      <p:grpSp>
-        <p:nvGrpSpPr>
-          <p:cNvPr id="38" name="Groupe 37"/>
-          <p:cNvGrpSpPr/>
-          <p:nvPr/>
-        </p:nvGrpSpPr>
-        <p:grpSpPr>
-          <a:xfrm>
-            <a:off x="2955540" y="111205"/>
-            <a:ext cx="8292389" cy="4387967"/>
-            <a:chOff x="2955540" y="111205"/>
-            <a:chExt cx="8292389" cy="4387967"/>
-          </a:xfrm>
-        </p:grpSpPr>
-        <p:sp>
-          <p:nvSpPr>
-            <p:cNvPr id="4" name="Rectangle 3"/>
+            <p:cNvPr id="191" name="Rectangle 190"/>
             <p:cNvSpPr/>
             <p:nvPr/>
           </p:nvSpPr>
           <p:spPr>
             <a:xfrm>
-              <a:off x="2960483" y="113288"/>
-              <a:ext cx="8287446" cy="4385884"/>
+              <a:off x="8240912" y="1744259"/>
+              <a:ext cx="754094" cy="662702"/>
             </a:xfrm>
             <a:prstGeom prst="rect">
               <a:avLst/>
             </a:prstGeom>
             <a:solidFill>
-              <a:schemeClr val="bg1">
-                <a:lumMod val="95000"/>
-              </a:schemeClr>
-            </a:solidFill>
-            <a:ln>
-              <a:solidFill>
-                <a:schemeClr val="tx1"/>
-              </a:solidFill>
-            </a:ln>
-          </p:spPr>
-          <p:style>
-            <a:lnRef idx="2">
-              <a:schemeClr val="accent1">
-                <a:shade val="50000"/>
-              </a:schemeClr>
-            </a:lnRef>
-            <a:fillRef idx="1">
-              <a:schemeClr val="accent1"/>
-            </a:fillRef>
-            <a:effectRef idx="0">
-              <a:schemeClr val="accent1"/>
-            </a:effectRef>
-            <a:fontRef idx="minor">
-              <a:schemeClr val="lt1"/>
-            </a:fontRef>
-          </p:style>
-          <p:txBody>
-            <a:bodyPr rtlCol="0" anchor="ctr"/>
-            <a:lstStyle/>
-            <a:p>
-              <a:pPr algn="ctr"/>
-              <a:endParaRPr lang="fr-FR"/>
-            </a:p>
-          </p:txBody>
-        </p:sp>
-        <p:sp>
-          <p:nvSpPr>
-            <p:cNvPr id="30" name="ZoneTexte 29"/>
-            <p:cNvSpPr txBox="1"/>
-            <p:nvPr/>
-          </p:nvSpPr>
-          <p:spPr>
-            <a:xfrm>
-              <a:off x="2955540" y="111205"/>
-              <a:ext cx="1817229" cy="338554"/>
-            </a:xfrm>
-            <a:prstGeom prst="rect">
-              <a:avLst/>
-            </a:prstGeom>
-            <a:noFill/>
-          </p:spPr>
-          <p:txBody>
-            <a:bodyPr wrap="none" rtlCol="0">
-              <a:spAutoFit/>
-            </a:bodyPr>
-            <a:lstStyle/>
-            <a:p>
-              <a:r>
-                <a:rPr lang="fr-FR" sz="1600" b="1" dirty="0" err="1" smtClean="0"/>
-                <a:t>EcoProxyAndRobot</a:t>
-              </a:r>
-              <a:endParaRPr lang="fr-FR" sz="1600" b="1" dirty="0"/>
-            </a:p>
-          </p:txBody>
-        </p:sp>
-      </p:grpSp>
-      <p:sp>
-        <p:nvSpPr>
-          <p:cNvPr id="31" name="ZoneTexte 30"/>
-          <p:cNvSpPr txBox="1"/>
-          <p:nvPr/>
-        </p:nvSpPr>
-        <p:spPr>
-          <a:xfrm>
-            <a:off x="2965586" y="4635387"/>
-            <a:ext cx="772647" cy="338554"/>
-          </a:xfrm>
-          <a:prstGeom prst="rect">
-            <a:avLst/>
-          </a:prstGeom>
-          <a:noFill/>
-        </p:spPr>
-        <p:txBody>
-          <a:bodyPr wrap="none" rtlCol="0">
-            <a:spAutoFit/>
-          </a:bodyPr>
-          <a:lstStyle/>
-          <a:p>
-            <a:r>
-              <a:rPr lang="fr-FR" sz="1600" b="1" dirty="0" err="1" smtClean="0"/>
-              <a:t>EcoNid</a:t>
-            </a:r>
-            <a:endParaRPr lang="fr-FR" sz="1600" b="1" dirty="0"/>
-          </a:p>
-        </p:txBody>
-      </p:sp>
-      <p:grpSp>
-        <p:nvGrpSpPr>
-          <p:cNvPr id="36" name="Groupe 35"/>
-          <p:cNvGrpSpPr/>
-          <p:nvPr/>
-        </p:nvGrpSpPr>
-        <p:grpSpPr>
-          <a:xfrm>
-            <a:off x="3325539" y="449759"/>
-            <a:ext cx="7475245" cy="3841585"/>
-            <a:chOff x="3325539" y="449759"/>
-            <a:chExt cx="7475245" cy="3841585"/>
-          </a:xfrm>
-        </p:grpSpPr>
-        <p:sp>
-          <p:nvSpPr>
-            <p:cNvPr id="32" name="Rectangle 31"/>
-            <p:cNvSpPr/>
-            <p:nvPr/>
-          </p:nvSpPr>
-          <p:spPr>
-            <a:xfrm>
-              <a:off x="3325539" y="449760"/>
-              <a:ext cx="7475245" cy="3841584"/>
-            </a:xfrm>
-            <a:prstGeom prst="rect">
-              <a:avLst/>
-            </a:prstGeom>
-            <a:solidFill>
-              <a:schemeClr val="accent1">
+              <a:schemeClr val="accent4">
                 <a:lumMod val="20000"/>
                 <a:lumOff val="80000"/>
               </a:schemeClr>
@@ -3572,71 +5964,26 @@
             <a:lstStyle/>
             <a:p>
               <a:pPr algn="ctr"/>
-              <a:endParaRPr lang="fr-FR"/>
+              <a:endParaRPr lang="fr-FR" dirty="0"/>
             </a:p>
           </p:txBody>
         </p:sp>
         <p:sp>
           <p:nvSpPr>
-            <p:cNvPr id="33" name="ZoneTexte 32"/>
-            <p:cNvSpPr txBox="1"/>
-            <p:nvPr/>
-          </p:nvSpPr>
-          <p:spPr>
-            <a:xfrm>
-              <a:off x="3351909" y="449759"/>
-              <a:ext cx="2215972" cy="338554"/>
-            </a:xfrm>
-            <a:prstGeom prst="rect">
-              <a:avLst/>
-            </a:prstGeom>
-            <a:noFill/>
-          </p:spPr>
-          <p:txBody>
-            <a:bodyPr wrap="square" rtlCol="0">
-              <a:spAutoFit/>
-            </a:bodyPr>
-            <a:lstStyle/>
-            <a:p>
-              <a:r>
-                <a:rPr lang="fr-FR" sz="1600" b="1" dirty="0" err="1" smtClean="0"/>
-                <a:t>ProxyAndRobot</a:t>
-              </a:r>
-              <a:endParaRPr lang="fr-FR" sz="1600" b="1" dirty="0"/>
-            </a:p>
-          </p:txBody>
-        </p:sp>
-      </p:grpSp>
-      <p:grpSp>
-        <p:nvGrpSpPr>
-          <p:cNvPr id="39" name="Groupe 38"/>
-          <p:cNvGrpSpPr/>
-          <p:nvPr/>
-        </p:nvGrpSpPr>
-        <p:grpSpPr>
-          <a:xfrm>
-            <a:off x="3595116" y="830502"/>
-            <a:ext cx="2381256" cy="1863867"/>
-            <a:chOff x="3684713" y="911991"/>
-            <a:chExt cx="2381256" cy="1863867"/>
-          </a:xfrm>
-        </p:grpSpPr>
-        <p:sp>
-          <p:nvSpPr>
-            <p:cNvPr id="34" name="Rectangle 33"/>
+            <p:cNvPr id="192" name="Rectangle 191"/>
             <p:cNvSpPr/>
             <p:nvPr/>
           </p:nvSpPr>
           <p:spPr>
             <a:xfrm>
-              <a:off x="3684713" y="924528"/>
-              <a:ext cx="2381256" cy="1851330"/>
+              <a:off x="7357642" y="2583073"/>
+              <a:ext cx="959171" cy="662702"/>
             </a:xfrm>
             <a:prstGeom prst="rect">
               <a:avLst/>
             </a:prstGeom>
             <a:solidFill>
-              <a:schemeClr val="accent2">
+              <a:schemeClr val="accent4">
                 <a:lumMod val="20000"/>
                 <a:lumOff val="80000"/>
               </a:schemeClr>
@@ -3668,353 +6015,90 @@
             <a:lstStyle/>
             <a:p>
               <a:pPr algn="ctr"/>
-              <a:endParaRPr lang="fr-FR"/>
+              <a:endParaRPr lang="fr-FR" dirty="0"/>
             </a:p>
           </p:txBody>
         </p:sp>
-        <p:sp>
-          <p:nvSpPr>
-            <p:cNvPr id="35" name="ZoneTexte 34"/>
-            <p:cNvSpPr txBox="1"/>
+        <p:cxnSp>
+          <p:nvCxnSpPr>
+            <p:cNvPr id="193" name="Connecteur droit 192"/>
+            <p:cNvCxnSpPr/>
             <p:nvPr/>
-          </p:nvSpPr>
+          </p:nvCxnSpPr>
           <p:spPr>
-            <a:xfrm>
-              <a:off x="3693719" y="911991"/>
-              <a:ext cx="2215972" cy="338554"/>
+            <a:xfrm flipH="1">
+              <a:off x="7938197" y="3245775"/>
+              <a:ext cx="337" cy="263747"/>
             </a:xfrm>
-            <a:prstGeom prst="rect">
+            <a:prstGeom prst="line">
               <a:avLst/>
             </a:prstGeom>
-            <a:noFill/>
-          </p:spPr>
-          <p:txBody>
-            <a:bodyPr wrap="square" rtlCol="0">
-              <a:spAutoFit/>
-            </a:bodyPr>
-            <a:lstStyle/>
-            <a:p>
-              <a:r>
-                <a:rPr lang="fr-FR" sz="1600" b="1" dirty="0" err="1" smtClean="0"/>
-                <a:t>EcoProxy</a:t>
-              </a:r>
-              <a:endParaRPr lang="fr-FR" sz="1600" b="1" dirty="0"/>
-            </a:p>
-          </p:txBody>
-        </p:sp>
-      </p:grpSp>
-      <p:grpSp>
-        <p:nvGrpSpPr>
-          <p:cNvPr id="40" name="Groupe 39"/>
-          <p:cNvGrpSpPr/>
-          <p:nvPr/>
-        </p:nvGrpSpPr>
-        <p:grpSpPr>
-          <a:xfrm>
-            <a:off x="3877304" y="1245744"/>
-            <a:ext cx="1487210" cy="1222616"/>
-            <a:chOff x="3082167" y="821465"/>
-            <a:chExt cx="2381256" cy="1851331"/>
-          </a:xfrm>
-        </p:grpSpPr>
-        <p:sp>
-          <p:nvSpPr>
-            <p:cNvPr id="41" name="Rectangle 40"/>
-            <p:cNvSpPr/>
-            <p:nvPr/>
-          </p:nvSpPr>
-          <p:spPr>
-            <a:xfrm>
-              <a:off x="3082167" y="821465"/>
-              <a:ext cx="2381256" cy="1851331"/>
-            </a:xfrm>
-            <a:prstGeom prst="rect">
-              <a:avLst/>
-            </a:prstGeom>
-            <a:solidFill>
-              <a:schemeClr val="accent6">
-                <a:lumMod val="20000"/>
-                <a:lumOff val="80000"/>
-              </a:schemeClr>
-            </a:solidFill>
-            <a:ln>
+            <a:ln w="12700">
               <a:solidFill>
                 <a:schemeClr val="tx1"/>
               </a:solidFill>
             </a:ln>
           </p:spPr>
           <p:style>
-            <a:lnRef idx="2">
-              <a:schemeClr val="accent1">
-                <a:shade val="50000"/>
-              </a:schemeClr>
+            <a:lnRef idx="1">
+              <a:schemeClr val="accent1"/>
             </a:lnRef>
-            <a:fillRef idx="1">
+            <a:fillRef idx="0">
               <a:schemeClr val="accent1"/>
             </a:fillRef>
             <a:effectRef idx="0">
               <a:schemeClr val="accent1"/>
             </a:effectRef>
             <a:fontRef idx="minor">
-              <a:schemeClr val="lt1"/>
+              <a:schemeClr val="tx1"/>
             </a:fontRef>
           </p:style>
-          <p:txBody>
-            <a:bodyPr rtlCol="0" anchor="ctr"/>
-            <a:lstStyle/>
-            <a:p>
-              <a:pPr algn="ctr"/>
-              <a:endParaRPr lang="fr-FR"/>
-            </a:p>
-          </p:txBody>
-        </p:sp>
-        <p:sp>
-          <p:nvSpPr>
-            <p:cNvPr id="42" name="ZoneTexte 41"/>
-            <p:cNvSpPr txBox="1"/>
+        </p:cxnSp>
+        <p:cxnSp>
+          <p:nvCxnSpPr>
+            <p:cNvPr id="197" name="Connecteur droit 196"/>
+            <p:cNvCxnSpPr/>
             <p:nvPr/>
-          </p:nvSpPr>
+          </p:nvCxnSpPr>
           <p:spPr>
-            <a:xfrm>
-              <a:off x="3099986" y="821465"/>
-              <a:ext cx="2215971" cy="512651"/>
+            <a:xfrm flipH="1">
+              <a:off x="9569030" y="3243455"/>
+              <a:ext cx="337" cy="263747"/>
             </a:xfrm>
-            <a:prstGeom prst="rect">
+            <a:prstGeom prst="line">
               <a:avLst/>
             </a:prstGeom>
-            <a:noFill/>
-          </p:spPr>
-          <p:txBody>
-            <a:bodyPr wrap="square" rtlCol="0">
-              <a:spAutoFit/>
-            </a:bodyPr>
-            <a:lstStyle/>
-            <a:p>
-              <a:r>
-                <a:rPr lang="fr-FR" sz="1600" b="1" dirty="0" smtClean="0"/>
-                <a:t>Proxy</a:t>
-              </a:r>
-              <a:endParaRPr lang="fr-FR" sz="1600" b="1" dirty="0"/>
-            </a:p>
-          </p:txBody>
-        </p:sp>
-      </p:grpSp>
-      <p:grpSp>
-        <p:nvGrpSpPr>
-          <p:cNvPr id="43" name="Groupe 42"/>
-          <p:cNvGrpSpPr/>
-          <p:nvPr/>
-        </p:nvGrpSpPr>
-        <p:grpSpPr>
-          <a:xfrm>
-            <a:off x="7060823" y="807617"/>
-            <a:ext cx="3160539" cy="3402244"/>
-            <a:chOff x="3684713" y="911991"/>
-            <a:chExt cx="2381256" cy="1863867"/>
-          </a:xfrm>
-        </p:grpSpPr>
-        <p:sp>
-          <p:nvSpPr>
-            <p:cNvPr id="44" name="Rectangle 43"/>
-            <p:cNvSpPr/>
-            <p:nvPr/>
-          </p:nvSpPr>
-          <p:spPr>
-            <a:xfrm>
-              <a:off x="3684713" y="924528"/>
-              <a:ext cx="2381256" cy="1851330"/>
-            </a:xfrm>
-            <a:prstGeom prst="rect">
-              <a:avLst/>
-            </a:prstGeom>
-            <a:solidFill>
-              <a:schemeClr val="accent2">
-                <a:lumMod val="20000"/>
-                <a:lumOff val="80000"/>
-              </a:schemeClr>
-            </a:solidFill>
-            <a:ln>
+            <a:ln w="12700">
               <a:solidFill>
                 <a:schemeClr val="tx1"/>
               </a:solidFill>
             </a:ln>
           </p:spPr>
           <p:style>
-            <a:lnRef idx="2">
-              <a:schemeClr val="accent1">
-                <a:shade val="50000"/>
-              </a:schemeClr>
+            <a:lnRef idx="1">
+              <a:schemeClr val="accent1"/>
             </a:lnRef>
-            <a:fillRef idx="1">
+            <a:fillRef idx="0">
               <a:schemeClr val="accent1"/>
             </a:fillRef>
             <a:effectRef idx="0">
               <a:schemeClr val="accent1"/>
             </a:effectRef>
             <a:fontRef idx="minor">
-              <a:schemeClr val="lt1"/>
+              <a:schemeClr val="tx1"/>
             </a:fontRef>
           </p:style>
-          <p:txBody>
-            <a:bodyPr rtlCol="0" anchor="ctr"/>
-            <a:lstStyle/>
-            <a:p>
-              <a:pPr algn="ctr"/>
-              <a:endParaRPr lang="fr-FR"/>
-            </a:p>
-          </p:txBody>
-        </p:sp>
-        <p:sp>
-          <p:nvSpPr>
-            <p:cNvPr id="45" name="ZoneTexte 44"/>
-            <p:cNvSpPr txBox="1"/>
-            <p:nvPr/>
-          </p:nvSpPr>
-          <p:spPr>
-            <a:xfrm>
-              <a:off x="3693719" y="911991"/>
-              <a:ext cx="2215972" cy="185472"/>
-            </a:xfrm>
-            <a:prstGeom prst="rect">
-              <a:avLst/>
-            </a:prstGeom>
-            <a:noFill/>
-          </p:spPr>
-          <p:txBody>
-            <a:bodyPr wrap="square" rtlCol="0">
-              <a:spAutoFit/>
-            </a:bodyPr>
-            <a:lstStyle/>
-            <a:p>
-              <a:r>
-                <a:rPr lang="fr-FR" sz="1600" b="1" dirty="0" err="1" smtClean="0"/>
-                <a:t>EcoRobot</a:t>
-              </a:r>
-              <a:endParaRPr lang="fr-FR" sz="1600" b="1" dirty="0"/>
-            </a:p>
-          </p:txBody>
-        </p:sp>
-      </p:grpSp>
-      <p:grpSp>
-        <p:nvGrpSpPr>
-          <p:cNvPr id="46" name="Groupe 45"/>
-          <p:cNvGrpSpPr/>
-          <p:nvPr/>
-        </p:nvGrpSpPr>
-        <p:grpSpPr>
-          <a:xfrm>
-            <a:off x="7161950" y="1303128"/>
-            <a:ext cx="2939034" cy="2103067"/>
-            <a:chOff x="3082167" y="821465"/>
-            <a:chExt cx="2381256" cy="1851331"/>
-          </a:xfrm>
-        </p:grpSpPr>
-        <p:sp>
-          <p:nvSpPr>
-            <p:cNvPr id="47" name="Rectangle 46"/>
-            <p:cNvSpPr/>
-            <p:nvPr/>
-          </p:nvSpPr>
-          <p:spPr>
-            <a:xfrm>
-              <a:off x="3082167" y="821465"/>
-              <a:ext cx="2381256" cy="1851331"/>
-            </a:xfrm>
-            <a:prstGeom prst="rect">
-              <a:avLst/>
-            </a:prstGeom>
-            <a:solidFill>
-              <a:schemeClr val="accent6">
-                <a:lumMod val="20000"/>
-                <a:lumOff val="80000"/>
-              </a:schemeClr>
-            </a:solidFill>
-            <a:ln>
-              <a:solidFill>
-                <a:schemeClr val="tx1"/>
-              </a:solidFill>
-            </a:ln>
-          </p:spPr>
-          <p:style>
-            <a:lnRef idx="2">
-              <a:schemeClr val="accent1">
-                <a:shade val="50000"/>
-              </a:schemeClr>
-            </a:lnRef>
-            <a:fillRef idx="1">
-              <a:schemeClr val="accent1"/>
-            </a:fillRef>
-            <a:effectRef idx="0">
-              <a:schemeClr val="accent1"/>
-            </a:effectRef>
-            <a:fontRef idx="minor">
-              <a:schemeClr val="lt1"/>
-            </a:fontRef>
-          </p:style>
-          <p:txBody>
-            <a:bodyPr rtlCol="0" anchor="ctr"/>
-            <a:lstStyle/>
-            <a:p>
-              <a:pPr algn="ctr"/>
-              <a:endParaRPr lang="fr-FR"/>
-            </a:p>
-          </p:txBody>
-        </p:sp>
-        <p:sp>
-          <p:nvSpPr>
-            <p:cNvPr id="48" name="ZoneTexte 47"/>
-            <p:cNvSpPr txBox="1"/>
-            <p:nvPr/>
-          </p:nvSpPr>
-          <p:spPr>
-            <a:xfrm>
-              <a:off x="3099986" y="821465"/>
-              <a:ext cx="2215971" cy="298029"/>
-            </a:xfrm>
-            <a:prstGeom prst="rect">
-              <a:avLst/>
-            </a:prstGeom>
-            <a:noFill/>
-          </p:spPr>
-          <p:txBody>
-            <a:bodyPr wrap="square" rtlCol="0">
-              <a:spAutoFit/>
-            </a:bodyPr>
-            <a:lstStyle/>
-            <a:p>
-              <a:r>
-                <a:rPr lang="fr-FR" sz="1600" b="1" dirty="0" smtClean="0"/>
-                <a:t>Robot</a:t>
-              </a:r>
-              <a:endParaRPr lang="fr-FR" sz="1600" b="1" dirty="0"/>
-            </a:p>
-          </p:txBody>
-        </p:sp>
-      </p:grpSp>
-      <p:grpSp>
-        <p:nvGrpSpPr>
-          <p:cNvPr id="49" name="Groupe 48"/>
-          <p:cNvGrpSpPr/>
-          <p:nvPr/>
-        </p:nvGrpSpPr>
-        <p:grpSpPr>
-          <a:xfrm>
-            <a:off x="5383616" y="1529797"/>
-            <a:ext cx="427050" cy="109002"/>
-            <a:chOff x="1816846" y="1356760"/>
-            <a:chExt cx="427050" cy="109002"/>
-          </a:xfrm>
-        </p:grpSpPr>
+        </p:cxnSp>
         <p:cxnSp>
           <p:nvCxnSpPr>
-            <p:cNvPr id="50" name="Connecteur droit 49"/>
+            <p:cNvPr id="198" name="Connecteur droit 197"/>
             <p:cNvCxnSpPr/>
             <p:nvPr/>
           </p:nvCxnSpPr>
           <p:spPr>
             <a:xfrm>
-              <a:off x="1816846" y="1409358"/>
-              <a:ext cx="318427" cy="0"/>
+              <a:off x="9004238" y="1996487"/>
+              <a:ext cx="309289" cy="0"/>
             </a:xfrm>
             <a:prstGeom prst="line">
               <a:avLst/>
@@ -4042,14 +6126,14 @@
         </p:cxnSp>
         <p:sp>
           <p:nvSpPr>
-            <p:cNvPr id="51" name="Ellipse 50"/>
+            <p:cNvPr id="199" name="Ellipse 198"/>
             <p:cNvSpPr/>
             <p:nvPr/>
           </p:nvSpPr>
           <p:spPr>
             <a:xfrm>
-              <a:off x="2140383" y="1356760"/>
-              <a:ext cx="103513" cy="109002"/>
+              <a:off x="9313527" y="1946613"/>
+              <a:ext cx="100542" cy="103357"/>
             </a:xfrm>
             <a:prstGeom prst="ellipse">
               <a:avLst/>
@@ -4080,39 +6164,347 @@
             </a:p>
           </p:txBody>
         </p:sp>
-      </p:grpSp>
-      <p:grpSp>
-        <p:nvGrpSpPr>
-          <p:cNvPr id="52" name="Groupe 51"/>
-          <p:cNvGrpSpPr/>
-          <p:nvPr/>
-        </p:nvGrpSpPr>
-        <p:grpSpPr>
-          <a:xfrm>
-            <a:off x="5985402" y="2094195"/>
-            <a:ext cx="427050" cy="109002"/>
-            <a:chOff x="1816846" y="1356760"/>
-            <a:chExt cx="427050" cy="109002"/>
-          </a:xfrm>
-        </p:grpSpPr>
+        <p:grpSp>
+          <p:nvGrpSpPr>
+            <p:cNvPr id="202" name="Groupe 201"/>
+            <p:cNvGrpSpPr/>
+            <p:nvPr/>
+          </p:nvGrpSpPr>
+          <p:grpSpPr>
+            <a:xfrm rot="16200000">
+              <a:off x="7529606" y="2316249"/>
+              <a:ext cx="409831" cy="103357"/>
+              <a:chOff x="7452603" y="2111328"/>
+              <a:chExt cx="409831" cy="103357"/>
+            </a:xfrm>
+          </p:grpSpPr>
+          <p:cxnSp>
+            <p:nvCxnSpPr>
+              <p:cNvPr id="200" name="Connecteur droit 199"/>
+              <p:cNvCxnSpPr/>
+              <p:nvPr/>
+            </p:nvCxnSpPr>
+            <p:spPr>
+              <a:xfrm>
+                <a:off x="7452603" y="2161202"/>
+                <a:ext cx="309289" cy="0"/>
+              </a:xfrm>
+              <a:prstGeom prst="line">
+                <a:avLst/>
+              </a:prstGeom>
+              <a:ln w="12700">
+                <a:solidFill>
+                  <a:schemeClr val="tx1"/>
+                </a:solidFill>
+              </a:ln>
+            </p:spPr>
+            <p:style>
+              <a:lnRef idx="1">
+                <a:schemeClr val="accent1"/>
+              </a:lnRef>
+              <a:fillRef idx="0">
+                <a:schemeClr val="accent1"/>
+              </a:fillRef>
+              <a:effectRef idx="0">
+                <a:schemeClr val="accent1"/>
+              </a:effectRef>
+              <a:fontRef idx="minor">
+                <a:schemeClr val="tx1"/>
+              </a:fontRef>
+            </p:style>
+          </p:cxnSp>
+          <p:sp>
+            <p:nvSpPr>
+              <p:cNvPr id="201" name="Ellipse 200"/>
+              <p:cNvSpPr/>
+              <p:nvPr/>
+            </p:nvSpPr>
+            <p:spPr>
+              <a:xfrm>
+                <a:off x="7761892" y="2111328"/>
+                <a:ext cx="100542" cy="103357"/>
+              </a:xfrm>
+              <a:prstGeom prst="ellipse">
+                <a:avLst/>
+              </a:prstGeom>
+            </p:spPr>
+            <p:style>
+              <a:lnRef idx="2">
+                <a:schemeClr val="dk1">
+                  <a:shade val="50000"/>
+                </a:schemeClr>
+              </a:lnRef>
+              <a:fillRef idx="1">
+                <a:schemeClr val="dk1"/>
+              </a:fillRef>
+              <a:effectRef idx="0">
+                <a:schemeClr val="dk1"/>
+              </a:effectRef>
+              <a:fontRef idx="minor">
+                <a:schemeClr val="lt1"/>
+              </a:fontRef>
+            </p:style>
+            <p:txBody>
+              <a:bodyPr rtlCol="0" anchor="ctr"/>
+              <a:lstStyle/>
+              <a:p>
+                <a:pPr algn="ctr"/>
+                <a:endParaRPr lang="fr-FR"/>
+              </a:p>
+            </p:txBody>
+          </p:sp>
+        </p:grpSp>
+        <p:grpSp>
+          <p:nvGrpSpPr>
+            <p:cNvPr id="208" name="Groupe 207"/>
+            <p:cNvGrpSpPr/>
+            <p:nvPr/>
+          </p:nvGrpSpPr>
+          <p:grpSpPr>
+            <a:xfrm rot="5400000">
+              <a:off x="9340183" y="2286800"/>
+              <a:ext cx="490162" cy="114186"/>
+              <a:chOff x="9340183" y="2286800"/>
+              <a:chExt cx="490162" cy="114186"/>
+            </a:xfrm>
+          </p:grpSpPr>
+          <p:cxnSp>
+            <p:nvCxnSpPr>
+              <p:cNvPr id="206" name="Connecteur droit 205"/>
+              <p:cNvCxnSpPr/>
+              <p:nvPr/>
+            </p:nvCxnSpPr>
+            <p:spPr>
+              <a:xfrm>
+                <a:off x="9445709" y="2336674"/>
+                <a:ext cx="384636" cy="0"/>
+              </a:xfrm>
+              <a:prstGeom prst="line">
+                <a:avLst/>
+              </a:prstGeom>
+              <a:ln w="12700">
+                <a:solidFill>
+                  <a:schemeClr val="tx1"/>
+                </a:solidFill>
+              </a:ln>
+            </p:spPr>
+            <p:style>
+              <a:lnRef idx="1">
+                <a:schemeClr val="accent1"/>
+              </a:lnRef>
+              <a:fillRef idx="0">
+                <a:schemeClr val="accent1"/>
+              </a:fillRef>
+              <a:effectRef idx="0">
+                <a:schemeClr val="accent1"/>
+              </a:effectRef>
+              <a:fontRef idx="minor">
+                <a:schemeClr val="tx1"/>
+              </a:fontRef>
+            </p:style>
+          </p:cxnSp>
+          <p:sp>
+            <p:nvSpPr>
+              <p:cNvPr id="207" name="Arc plein 206"/>
+              <p:cNvSpPr/>
+              <p:nvPr/>
+            </p:nvSpPr>
+            <p:spPr>
+              <a:xfrm rot="5400000">
+                <a:off x="9340249" y="2286734"/>
+                <a:ext cx="114186" cy="114318"/>
+              </a:xfrm>
+              <a:prstGeom prst="blockArc">
+                <a:avLst/>
+              </a:prstGeom>
+            </p:spPr>
+            <p:style>
+              <a:lnRef idx="2">
+                <a:schemeClr val="dk1">
+                  <a:shade val="50000"/>
+                </a:schemeClr>
+              </a:lnRef>
+              <a:fillRef idx="1">
+                <a:schemeClr val="dk1"/>
+              </a:fillRef>
+              <a:effectRef idx="0">
+                <a:schemeClr val="dk1"/>
+              </a:effectRef>
+              <a:fontRef idx="minor">
+                <a:schemeClr val="lt1"/>
+              </a:fontRef>
+            </p:style>
+            <p:txBody>
+              <a:bodyPr rtlCol="0" anchor="ctr"/>
+              <a:lstStyle/>
+              <a:p>
+                <a:pPr algn="ctr"/>
+                <a:endParaRPr lang="fr-FR">
+                  <a:solidFill>
+                    <a:schemeClr val="tx1"/>
+                  </a:solidFill>
+                </a:endParaRPr>
+              </a:p>
+            </p:txBody>
+          </p:sp>
+        </p:grpSp>
+        <p:grpSp>
+          <p:nvGrpSpPr>
+            <p:cNvPr id="209" name="Groupe 208"/>
+            <p:cNvGrpSpPr/>
+            <p:nvPr/>
+          </p:nvGrpSpPr>
+          <p:grpSpPr>
+            <a:xfrm>
+              <a:off x="7742928" y="1963449"/>
+              <a:ext cx="490162" cy="114186"/>
+              <a:chOff x="9340183" y="2286800"/>
+              <a:chExt cx="490162" cy="114186"/>
+            </a:xfrm>
+          </p:grpSpPr>
+          <p:cxnSp>
+            <p:nvCxnSpPr>
+              <p:cNvPr id="210" name="Connecteur droit 209"/>
+              <p:cNvCxnSpPr/>
+              <p:nvPr/>
+            </p:nvCxnSpPr>
+            <p:spPr>
+              <a:xfrm>
+                <a:off x="9445709" y="2336674"/>
+                <a:ext cx="384636" cy="0"/>
+              </a:xfrm>
+              <a:prstGeom prst="line">
+                <a:avLst/>
+              </a:prstGeom>
+              <a:ln w="12700">
+                <a:solidFill>
+                  <a:schemeClr val="tx1"/>
+                </a:solidFill>
+              </a:ln>
+            </p:spPr>
+            <p:style>
+              <a:lnRef idx="1">
+                <a:schemeClr val="accent1"/>
+              </a:lnRef>
+              <a:fillRef idx="0">
+                <a:schemeClr val="accent1"/>
+              </a:fillRef>
+              <a:effectRef idx="0">
+                <a:schemeClr val="accent1"/>
+              </a:effectRef>
+              <a:fontRef idx="minor">
+                <a:schemeClr val="tx1"/>
+              </a:fontRef>
+            </p:style>
+          </p:cxnSp>
+          <p:sp>
+            <p:nvSpPr>
+              <p:cNvPr id="211" name="Arc plein 210"/>
+              <p:cNvSpPr/>
+              <p:nvPr/>
+            </p:nvSpPr>
+            <p:spPr>
+              <a:xfrm rot="5400000">
+                <a:off x="9340249" y="2286734"/>
+                <a:ext cx="114186" cy="114318"/>
+              </a:xfrm>
+              <a:prstGeom prst="blockArc">
+                <a:avLst/>
+              </a:prstGeom>
+            </p:spPr>
+            <p:style>
+              <a:lnRef idx="2">
+                <a:schemeClr val="dk1">
+                  <a:shade val="50000"/>
+                </a:schemeClr>
+              </a:lnRef>
+              <a:fillRef idx="1">
+                <a:schemeClr val="dk1"/>
+              </a:fillRef>
+              <a:effectRef idx="0">
+                <a:schemeClr val="dk1"/>
+              </a:effectRef>
+              <a:fontRef idx="minor">
+                <a:schemeClr val="lt1"/>
+              </a:fontRef>
+            </p:style>
+            <p:txBody>
+              <a:bodyPr rtlCol="0" anchor="ctr"/>
+              <a:lstStyle/>
+              <a:p>
+                <a:pPr algn="ctr"/>
+                <a:endParaRPr lang="fr-FR">
+                  <a:solidFill>
+                    <a:schemeClr val="tx1"/>
+                  </a:solidFill>
+                </a:endParaRPr>
+              </a:p>
+            </p:txBody>
+          </p:sp>
+        </p:grpSp>
         <p:cxnSp>
           <p:nvCxnSpPr>
-            <p:cNvPr id="53" name="Connecteur droit 52"/>
-            <p:cNvCxnSpPr/>
+            <p:cNvPr id="212" name="Connecteur en angle 211"/>
+            <p:cNvCxnSpPr>
+              <a:stCxn id="211" idx="0"/>
+              <a:endCxn id="201" idx="7"/>
+            </p:cNvCxnSpPr>
+            <p:nvPr/>
+          </p:nvCxnSpPr>
+          <p:spPr>
+            <a:xfrm rot="10800000" flipV="1">
+              <a:off x="7697981" y="1977721"/>
+              <a:ext cx="102107" cy="200015"/>
+            </a:xfrm>
+            <a:prstGeom prst="bentConnector3">
+              <a:avLst>
+                <a:gd name="adj1" fmla="val 85066"/>
+              </a:avLst>
+            </a:prstGeom>
+            <a:ln>
+              <a:solidFill>
+                <a:schemeClr val="tx1"/>
+              </a:solidFill>
+              <a:prstDash val="dash"/>
+            </a:ln>
+          </p:spPr>
+          <p:style>
+            <a:lnRef idx="1">
+              <a:schemeClr val="accent1"/>
+            </a:lnRef>
+            <a:fillRef idx="0">
+              <a:schemeClr val="accent1"/>
+            </a:fillRef>
+            <a:effectRef idx="0">
+              <a:schemeClr val="accent1"/>
+            </a:effectRef>
+            <a:fontRef idx="minor">
+              <a:schemeClr val="tx1"/>
+            </a:fontRef>
+          </p:style>
+        </p:cxnSp>
+        <p:cxnSp>
+          <p:nvCxnSpPr>
+            <p:cNvPr id="216" name="Connecteur en angle 215"/>
+            <p:cNvCxnSpPr>
+              <a:stCxn id="199" idx="6"/>
+              <a:endCxn id="207" idx="0"/>
+            </p:cNvCxnSpPr>
             <p:nvPr/>
           </p:nvCxnSpPr>
           <p:spPr>
             <a:xfrm>
-              <a:off x="1816846" y="1409358"/>
-              <a:ext cx="318427" cy="0"/>
+              <a:off x="9414069" y="1998292"/>
+              <a:ext cx="214015" cy="157679"/>
             </a:xfrm>
-            <a:prstGeom prst="line">
+            <a:prstGeom prst="bentConnector2">
               <a:avLst/>
             </a:prstGeom>
-            <a:ln w="12700">
+            <a:ln>
               <a:solidFill>
                 <a:schemeClr val="tx1"/>
               </a:solidFill>
+              <a:prstDash val="dash"/>
             </a:ln>
           </p:spPr>
           <p:style>
@@ -4132,77 +6524,247 @@
         </p:cxnSp>
         <p:sp>
           <p:nvSpPr>
-            <p:cNvPr id="54" name="Ellipse 53"/>
-            <p:cNvSpPr/>
+            <p:cNvPr id="223" name="ZoneTexte 222"/>
+            <p:cNvSpPr txBox="1"/>
             <p:nvPr/>
           </p:nvSpPr>
           <p:spPr>
             <a:xfrm>
-              <a:off x="2140383" y="1356760"/>
-              <a:ext cx="103513" cy="109002"/>
+              <a:off x="9151050" y="2592422"/>
+              <a:ext cx="737702" cy="338554"/>
             </a:xfrm>
-            <a:prstGeom prst="ellipse">
+            <a:prstGeom prst="rect">
               <a:avLst/>
             </a:prstGeom>
+            <a:noFill/>
           </p:spPr>
-          <p:style>
-            <a:lnRef idx="2">
-              <a:schemeClr val="dk1">
-                <a:shade val="50000"/>
-              </a:schemeClr>
-            </a:lnRef>
-            <a:fillRef idx="1">
-              <a:schemeClr val="dk1"/>
-            </a:fillRef>
-            <a:effectRef idx="0">
-              <a:schemeClr val="dk1"/>
-            </a:effectRef>
-            <a:fontRef idx="minor">
-              <a:schemeClr val="lt1"/>
-            </a:fontRef>
-          </p:style>
           <p:txBody>
-            <a:bodyPr rtlCol="0" anchor="ctr"/>
+            <a:bodyPr wrap="none" rtlCol="0">
+              <a:spAutoFit/>
+            </a:bodyPr>
             <a:lstStyle/>
             <a:p>
-              <a:pPr algn="ctr"/>
-              <a:endParaRPr lang="fr-FR"/>
+              <a:r>
+                <a:rPr lang="fr-FR" sz="1600" b="1" dirty="0" smtClean="0"/>
+                <a:t>Action</a:t>
+              </a:r>
             </a:p>
           </p:txBody>
         </p:sp>
-      </p:grpSp>
-      <p:grpSp>
-        <p:nvGrpSpPr>
-          <p:cNvPr id="55" name="Groupe 54"/>
-          <p:cNvGrpSpPr/>
-          <p:nvPr/>
-        </p:nvGrpSpPr>
-        <p:grpSpPr>
-          <a:xfrm rot="10800000">
-            <a:off x="6633773" y="3567064"/>
-            <a:ext cx="427050" cy="109002"/>
-            <a:chOff x="1816846" y="1356760"/>
-            <a:chExt cx="427050" cy="109002"/>
-          </a:xfrm>
-        </p:grpSpPr>
+        <p:sp>
+          <p:nvSpPr>
+            <p:cNvPr id="224" name="ZoneTexte 223"/>
+            <p:cNvSpPr txBox="1"/>
+            <p:nvPr/>
+          </p:nvSpPr>
+          <p:spPr>
+            <a:xfrm>
+              <a:off x="8169372" y="1700869"/>
+              <a:ext cx="906017" cy="338554"/>
+            </a:xfrm>
+            <a:prstGeom prst="rect">
+              <a:avLst/>
+            </a:prstGeom>
+            <a:noFill/>
+          </p:spPr>
+          <p:txBody>
+            <a:bodyPr wrap="none" rtlCol="0">
+              <a:spAutoFit/>
+            </a:bodyPr>
+            <a:lstStyle/>
+            <a:p>
+              <a:r>
+                <a:rPr lang="fr-FR" sz="1600" b="1" dirty="0" err="1" smtClean="0"/>
+                <a:t>Decision</a:t>
+              </a:r>
+              <a:endParaRPr lang="fr-FR" sz="1600" b="1" dirty="0" smtClean="0"/>
+            </a:p>
+          </p:txBody>
+        </p:sp>
+        <p:sp>
+          <p:nvSpPr>
+            <p:cNvPr id="225" name="ZoneTexte 224"/>
+            <p:cNvSpPr txBox="1"/>
+            <p:nvPr/>
+          </p:nvSpPr>
+          <p:spPr>
+            <a:xfrm>
+              <a:off x="7294240" y="2563285"/>
+              <a:ext cx="1104148" cy="338554"/>
+            </a:xfrm>
+            <a:prstGeom prst="rect">
+              <a:avLst/>
+            </a:prstGeom>
+            <a:noFill/>
+          </p:spPr>
+          <p:txBody>
+            <a:bodyPr wrap="none" rtlCol="0">
+              <a:spAutoFit/>
+            </a:bodyPr>
+            <a:lstStyle/>
+            <a:p>
+              <a:r>
+                <a:rPr lang="fr-FR" sz="1600" b="1" dirty="0" smtClean="0"/>
+                <a:t>Perception</a:t>
+              </a:r>
+            </a:p>
+          </p:txBody>
+        </p:sp>
+        <p:sp>
+          <p:nvSpPr>
+            <p:cNvPr id="226" name="ZoneTexte 225"/>
+            <p:cNvSpPr txBox="1"/>
+            <p:nvPr/>
+          </p:nvSpPr>
+          <p:spPr>
+            <a:xfrm>
+              <a:off x="7016816" y="2320158"/>
+              <a:ext cx="1431802" cy="276999"/>
+            </a:xfrm>
+            <a:prstGeom prst="rect">
+              <a:avLst/>
+            </a:prstGeom>
+            <a:noFill/>
+          </p:spPr>
+          <p:txBody>
+            <a:bodyPr wrap="none" rtlCol="0">
+              <a:spAutoFit/>
+            </a:bodyPr>
+            <a:lstStyle/>
+            <a:p>
+              <a:r>
+                <a:rPr lang="fr-FR" sz="1200" b="1" dirty="0" err="1" smtClean="0">
+                  <a:latin typeface="Batang" panose="02030600000101010101" pitchFamily="18" charset="-127"/>
+                  <a:ea typeface="Batang" panose="02030600000101010101" pitchFamily="18" charset="-127"/>
+                </a:rPr>
+                <a:t>IPerceptionRobot</a:t>
+              </a:r>
+              <a:endParaRPr lang="fr-FR" sz="1200" b="1" dirty="0" smtClean="0">
+                <a:latin typeface="Batang" panose="02030600000101010101" pitchFamily="18" charset="-127"/>
+                <a:ea typeface="Batang" panose="02030600000101010101" pitchFamily="18" charset="-127"/>
+              </a:endParaRPr>
+            </a:p>
+          </p:txBody>
+        </p:sp>
+        <p:grpSp>
+          <p:nvGrpSpPr>
+            <p:cNvPr id="227" name="Groupe 226"/>
+            <p:cNvGrpSpPr/>
+            <p:nvPr/>
+          </p:nvGrpSpPr>
+          <p:grpSpPr>
+            <a:xfrm>
+              <a:off x="8643337" y="2926043"/>
+              <a:ext cx="490162" cy="114186"/>
+              <a:chOff x="9340183" y="2286800"/>
+              <a:chExt cx="490162" cy="114186"/>
+            </a:xfrm>
+          </p:grpSpPr>
+          <p:cxnSp>
+            <p:nvCxnSpPr>
+              <p:cNvPr id="228" name="Connecteur droit 227"/>
+              <p:cNvCxnSpPr/>
+              <p:nvPr/>
+            </p:nvCxnSpPr>
+            <p:spPr>
+              <a:xfrm>
+                <a:off x="9445709" y="2336674"/>
+                <a:ext cx="384636" cy="0"/>
+              </a:xfrm>
+              <a:prstGeom prst="line">
+                <a:avLst/>
+              </a:prstGeom>
+              <a:ln w="12700">
+                <a:solidFill>
+                  <a:schemeClr val="tx1"/>
+                </a:solidFill>
+              </a:ln>
+            </p:spPr>
+            <p:style>
+              <a:lnRef idx="1">
+                <a:schemeClr val="accent1"/>
+              </a:lnRef>
+              <a:fillRef idx="0">
+                <a:schemeClr val="accent1"/>
+              </a:fillRef>
+              <a:effectRef idx="0">
+                <a:schemeClr val="accent1"/>
+              </a:effectRef>
+              <a:fontRef idx="minor">
+                <a:schemeClr val="tx1"/>
+              </a:fontRef>
+            </p:style>
+          </p:cxnSp>
+          <p:sp>
+            <p:nvSpPr>
+              <p:cNvPr id="229" name="Arc plein 228"/>
+              <p:cNvSpPr/>
+              <p:nvPr/>
+            </p:nvSpPr>
+            <p:spPr>
+              <a:xfrm rot="5400000">
+                <a:off x="9340249" y="2286734"/>
+                <a:ext cx="114186" cy="114318"/>
+              </a:xfrm>
+              <a:prstGeom prst="blockArc">
+                <a:avLst/>
+              </a:prstGeom>
+            </p:spPr>
+            <p:style>
+              <a:lnRef idx="2">
+                <a:schemeClr val="dk1">
+                  <a:shade val="50000"/>
+                </a:schemeClr>
+              </a:lnRef>
+              <a:fillRef idx="1">
+                <a:schemeClr val="dk1"/>
+              </a:fillRef>
+              <a:effectRef idx="0">
+                <a:schemeClr val="dk1"/>
+              </a:effectRef>
+              <a:fontRef idx="minor">
+                <a:schemeClr val="lt1"/>
+              </a:fontRef>
+            </p:style>
+            <p:txBody>
+              <a:bodyPr rtlCol="0" anchor="ctr"/>
+              <a:lstStyle/>
+              <a:p>
+                <a:pPr algn="ctr"/>
+                <a:endParaRPr lang="fr-FR">
+                  <a:solidFill>
+                    <a:schemeClr val="tx1"/>
+                  </a:solidFill>
+                </a:endParaRPr>
+              </a:p>
+            </p:txBody>
+          </p:sp>
+        </p:grpSp>
         <p:cxnSp>
           <p:nvCxnSpPr>
-            <p:cNvPr id="56" name="Connecteur droit 55"/>
-            <p:cNvCxnSpPr/>
+            <p:cNvPr id="230" name="Connecteur en angle 229"/>
+            <p:cNvCxnSpPr>
+              <a:stCxn id="229" idx="2"/>
+              <a:endCxn id="123" idx="7"/>
+            </p:cNvCxnSpPr>
             <p:nvPr/>
           </p:nvCxnSpPr>
           <p:spPr>
-            <a:xfrm>
-              <a:off x="1816846" y="1409358"/>
-              <a:ext cx="318427" cy="0"/>
+            <a:xfrm rot="10800000">
+              <a:off x="5864300" y="1732886"/>
+              <a:ext cx="2836197" cy="1250251"/>
             </a:xfrm>
-            <a:prstGeom prst="line">
-              <a:avLst/>
+            <a:prstGeom prst="bentConnector4">
+              <a:avLst>
+                <a:gd name="adj1" fmla="val -762"/>
+                <a:gd name="adj2" fmla="val -68164"/>
+              </a:avLst>
             </a:prstGeom>
-            <a:ln w="12700">
+            <a:ln>
               <a:solidFill>
                 <a:schemeClr val="tx1"/>
               </a:solidFill>
+              <a:prstDash val="dash"/>
             </a:ln>
           </p:spPr>
           <p:style>
@@ -4220,79 +6782,29 @@
             </a:fontRef>
           </p:style>
         </p:cxnSp>
-        <p:sp>
-          <p:nvSpPr>
-            <p:cNvPr id="57" name="Ellipse 56"/>
-            <p:cNvSpPr/>
-            <p:nvPr/>
-          </p:nvSpPr>
-          <p:spPr>
-            <a:xfrm>
-              <a:off x="2140383" y="1356760"/>
-              <a:ext cx="103513" cy="109002"/>
-            </a:xfrm>
-            <a:prstGeom prst="ellipse">
-              <a:avLst/>
-            </a:prstGeom>
-          </p:spPr>
-          <p:style>
-            <a:lnRef idx="2">
-              <a:schemeClr val="dk1">
-                <a:shade val="50000"/>
-              </a:schemeClr>
-            </a:lnRef>
-            <a:fillRef idx="1">
-              <a:schemeClr val="dk1"/>
-            </a:fillRef>
-            <a:effectRef idx="0">
-              <a:schemeClr val="dk1"/>
-            </a:effectRef>
-            <a:fontRef idx="minor">
-              <a:schemeClr val="lt1"/>
-            </a:fontRef>
-          </p:style>
-          <p:txBody>
-            <a:bodyPr rtlCol="0" anchor="ctr"/>
-            <a:lstStyle/>
-            <a:p>
-              <a:pPr algn="ctr"/>
-              <a:endParaRPr lang="fr-FR"/>
-            </a:p>
-          </p:txBody>
-        </p:sp>
-      </p:grpSp>
-      <p:grpSp>
-        <p:nvGrpSpPr>
-          <p:cNvPr id="58" name="Groupe 57"/>
-          <p:cNvGrpSpPr/>
-          <p:nvPr/>
-        </p:nvGrpSpPr>
-        <p:grpSpPr>
-          <a:xfrm rot="5400000">
-            <a:off x="9394443" y="3559783"/>
-            <a:ext cx="427050" cy="109002"/>
-            <a:chOff x="1816846" y="1356760"/>
-            <a:chExt cx="427050" cy="109002"/>
-          </a:xfrm>
-        </p:grpSpPr>
         <p:cxnSp>
           <p:nvCxnSpPr>
-            <p:cNvPr id="59" name="Connecteur droit 58"/>
-            <p:cNvCxnSpPr/>
+            <p:cNvPr id="242" name="Connecteur en angle 241"/>
+            <p:cNvCxnSpPr>
+              <a:stCxn id="115" idx="6"/>
+            </p:cNvCxnSpPr>
             <p:nvPr/>
           </p:nvCxnSpPr>
           <p:spPr>
-            <a:xfrm>
-              <a:off x="1816846" y="1409358"/>
-              <a:ext cx="318427" cy="0"/>
+            <a:xfrm flipH="1">
+              <a:off x="3325099" y="2014195"/>
+              <a:ext cx="7229359" cy="2288212"/>
             </a:xfrm>
-            <a:prstGeom prst="line">
-              <a:avLst/>
+            <a:prstGeom prst="bentConnector3">
+              <a:avLst>
+                <a:gd name="adj1" fmla="val -1024"/>
+              </a:avLst>
             </a:prstGeom>
-            <a:ln w="12700">
+            <a:ln>
               <a:solidFill>
                 <a:schemeClr val="tx1"/>
               </a:solidFill>
+              <a:prstDash val="dash"/>
             </a:ln>
           </p:spPr>
           <p:style>
@@ -4310,79 +6822,27 @@
             </a:fontRef>
           </p:style>
         </p:cxnSp>
-        <p:sp>
-          <p:nvSpPr>
-            <p:cNvPr id="60" name="Ellipse 59"/>
-            <p:cNvSpPr/>
-            <p:nvPr/>
-          </p:nvSpPr>
-          <p:spPr>
-            <a:xfrm>
-              <a:off x="2140383" y="1356760"/>
-              <a:ext cx="103513" cy="109002"/>
-            </a:xfrm>
-            <a:prstGeom prst="ellipse">
-              <a:avLst/>
-            </a:prstGeom>
-          </p:spPr>
-          <p:style>
-            <a:lnRef idx="2">
-              <a:schemeClr val="dk1">
-                <a:shade val="50000"/>
-              </a:schemeClr>
-            </a:lnRef>
-            <a:fillRef idx="1">
-              <a:schemeClr val="dk1"/>
-            </a:fillRef>
-            <a:effectRef idx="0">
-              <a:schemeClr val="dk1"/>
-            </a:effectRef>
-            <a:fontRef idx="minor">
-              <a:schemeClr val="lt1"/>
-            </a:fontRef>
-          </p:style>
-          <p:txBody>
-            <a:bodyPr rtlCol="0" anchor="ctr"/>
-            <a:lstStyle/>
-            <a:p>
-              <a:pPr algn="ctr"/>
-              <a:endParaRPr lang="fr-FR"/>
-            </a:p>
-          </p:txBody>
-        </p:sp>
-      </p:grpSp>
-      <p:grpSp>
-        <p:nvGrpSpPr>
-          <p:cNvPr id="61" name="Groupe 60"/>
-          <p:cNvGrpSpPr/>
-          <p:nvPr/>
-        </p:nvGrpSpPr>
-        <p:grpSpPr>
-          <a:xfrm>
-            <a:off x="10229415" y="1787933"/>
-            <a:ext cx="394827" cy="109002"/>
-            <a:chOff x="1909720" y="1339232"/>
-            <a:chExt cx="394827" cy="109002"/>
-          </a:xfrm>
-        </p:grpSpPr>
         <p:cxnSp>
           <p:nvCxnSpPr>
-            <p:cNvPr id="62" name="Connecteur droit 61"/>
+            <p:cNvPr id="253" name="Connecteur en angle 252"/>
             <p:cNvCxnSpPr/>
             <p:nvPr/>
           </p:nvCxnSpPr>
           <p:spPr>
-            <a:xfrm>
-              <a:off x="1909720" y="1391830"/>
-              <a:ext cx="291314" cy="0"/>
+            <a:xfrm rot="16200000" flipH="1">
+              <a:off x="2689982" y="3644218"/>
+              <a:ext cx="1058954" cy="257428"/>
             </a:xfrm>
-            <a:prstGeom prst="line">
-              <a:avLst/>
+            <a:prstGeom prst="bentConnector3">
+              <a:avLst>
+                <a:gd name="adj1" fmla="val 1352"/>
+              </a:avLst>
             </a:prstGeom>
-            <a:ln w="12700">
+            <a:ln>
               <a:solidFill>
                 <a:schemeClr val="tx1"/>
               </a:solidFill>
+              <a:prstDash val="dash"/>
             </a:ln>
           </p:spPr>
           <p:style>
@@ -4400,575 +6860,7 @@
             </a:fontRef>
           </p:style>
         </p:cxnSp>
-        <p:sp>
-          <p:nvSpPr>
-            <p:cNvPr id="63" name="Ellipse 62"/>
-            <p:cNvSpPr/>
-            <p:nvPr/>
-          </p:nvSpPr>
-          <p:spPr>
-            <a:xfrm>
-              <a:off x="2201034" y="1339232"/>
-              <a:ext cx="103513" cy="109002"/>
-            </a:xfrm>
-            <a:prstGeom prst="ellipse">
-              <a:avLst/>
-            </a:prstGeom>
-          </p:spPr>
-          <p:style>
-            <a:lnRef idx="2">
-              <a:schemeClr val="dk1">
-                <a:shade val="50000"/>
-              </a:schemeClr>
-            </a:lnRef>
-            <a:fillRef idx="1">
-              <a:schemeClr val="dk1"/>
-            </a:fillRef>
-            <a:effectRef idx="0">
-              <a:schemeClr val="dk1"/>
-            </a:effectRef>
-            <a:fontRef idx="minor">
-              <a:schemeClr val="lt1"/>
-            </a:fontRef>
-          </p:style>
-          <p:txBody>
-            <a:bodyPr rtlCol="0" anchor="ctr"/>
-            <a:lstStyle/>
-            <a:p>
-              <a:pPr algn="ctr"/>
-              <a:endParaRPr lang="fr-FR"/>
-            </a:p>
-          </p:txBody>
-        </p:sp>
       </p:grpSp>
-      <p:grpSp>
-        <p:nvGrpSpPr>
-          <p:cNvPr id="64" name="Groupe 63"/>
-          <p:cNvGrpSpPr/>
-          <p:nvPr/>
-        </p:nvGrpSpPr>
-        <p:grpSpPr>
-          <a:xfrm rot="16200000">
-            <a:off x="7686319" y="3595153"/>
-            <a:ext cx="504644" cy="120422"/>
-            <a:chOff x="1578763" y="1946135"/>
-            <a:chExt cx="504644" cy="120422"/>
-          </a:xfrm>
-        </p:grpSpPr>
-        <p:cxnSp>
-          <p:nvCxnSpPr>
-            <p:cNvPr id="65" name="Connecteur droit 64"/>
-            <p:cNvCxnSpPr/>
-            <p:nvPr/>
-          </p:nvCxnSpPr>
-          <p:spPr>
-            <a:xfrm>
-              <a:off x="1687407" y="1998733"/>
-              <a:ext cx="396000" cy="0"/>
-            </a:xfrm>
-            <a:prstGeom prst="line">
-              <a:avLst/>
-            </a:prstGeom>
-            <a:ln w="12700">
-              <a:solidFill>
-                <a:schemeClr val="tx1"/>
-              </a:solidFill>
-            </a:ln>
-          </p:spPr>
-          <p:style>
-            <a:lnRef idx="1">
-              <a:schemeClr val="accent1"/>
-            </a:lnRef>
-            <a:fillRef idx="0">
-              <a:schemeClr val="accent1"/>
-            </a:fillRef>
-            <a:effectRef idx="0">
-              <a:schemeClr val="accent1"/>
-            </a:effectRef>
-            <a:fontRef idx="minor">
-              <a:schemeClr val="tx1"/>
-            </a:fontRef>
-          </p:style>
-        </p:cxnSp>
-        <p:sp>
-          <p:nvSpPr>
-            <p:cNvPr id="66" name="Arc plein 65"/>
-            <p:cNvSpPr/>
-            <p:nvPr/>
-          </p:nvSpPr>
-          <p:spPr>
-            <a:xfrm rot="5400000">
-              <a:off x="1577400" y="1947498"/>
-              <a:ext cx="120422" cy="117696"/>
-            </a:xfrm>
-            <a:prstGeom prst="blockArc">
-              <a:avLst/>
-            </a:prstGeom>
-          </p:spPr>
-          <p:style>
-            <a:lnRef idx="2">
-              <a:schemeClr val="dk1">
-                <a:shade val="50000"/>
-              </a:schemeClr>
-            </a:lnRef>
-            <a:fillRef idx="1">
-              <a:schemeClr val="dk1"/>
-            </a:fillRef>
-            <a:effectRef idx="0">
-              <a:schemeClr val="dk1"/>
-            </a:effectRef>
-            <a:fontRef idx="minor">
-              <a:schemeClr val="lt1"/>
-            </a:fontRef>
-          </p:style>
-          <p:txBody>
-            <a:bodyPr rtlCol="0" anchor="ctr"/>
-            <a:lstStyle/>
-            <a:p>
-              <a:pPr algn="ctr"/>
-              <a:endParaRPr lang="fr-FR">
-                <a:solidFill>
-                  <a:schemeClr val="tx1"/>
-                </a:solidFill>
-              </a:endParaRPr>
-            </a:p>
-          </p:txBody>
-        </p:sp>
-      </p:grpSp>
-      <p:grpSp>
-        <p:nvGrpSpPr>
-          <p:cNvPr id="67" name="Groupe 66"/>
-          <p:cNvGrpSpPr/>
-          <p:nvPr/>
-        </p:nvGrpSpPr>
-        <p:grpSpPr>
-          <a:xfrm rot="16200000">
-            <a:off x="3873301" y="2887595"/>
-            <a:ext cx="504644" cy="120422"/>
-            <a:chOff x="1578763" y="1946135"/>
-            <a:chExt cx="504644" cy="120422"/>
-          </a:xfrm>
-        </p:grpSpPr>
-        <p:cxnSp>
-          <p:nvCxnSpPr>
-            <p:cNvPr id="68" name="Connecteur droit 67"/>
-            <p:cNvCxnSpPr/>
-            <p:nvPr/>
-          </p:nvCxnSpPr>
-          <p:spPr>
-            <a:xfrm>
-              <a:off x="1687407" y="1998733"/>
-              <a:ext cx="396000" cy="0"/>
-            </a:xfrm>
-            <a:prstGeom prst="line">
-              <a:avLst/>
-            </a:prstGeom>
-            <a:ln w="12700">
-              <a:solidFill>
-                <a:schemeClr val="tx1"/>
-              </a:solidFill>
-            </a:ln>
-          </p:spPr>
-          <p:style>
-            <a:lnRef idx="1">
-              <a:schemeClr val="accent1"/>
-            </a:lnRef>
-            <a:fillRef idx="0">
-              <a:schemeClr val="accent1"/>
-            </a:fillRef>
-            <a:effectRef idx="0">
-              <a:schemeClr val="accent1"/>
-            </a:effectRef>
-            <a:fontRef idx="minor">
-              <a:schemeClr val="tx1"/>
-            </a:fontRef>
-          </p:style>
-        </p:cxnSp>
-        <p:sp>
-          <p:nvSpPr>
-            <p:cNvPr id="69" name="Arc plein 68"/>
-            <p:cNvSpPr/>
-            <p:nvPr/>
-          </p:nvSpPr>
-          <p:spPr>
-            <a:xfrm rot="5400000">
-              <a:off x="1577400" y="1947498"/>
-              <a:ext cx="120422" cy="117696"/>
-            </a:xfrm>
-            <a:prstGeom prst="blockArc">
-              <a:avLst/>
-            </a:prstGeom>
-          </p:spPr>
-          <p:style>
-            <a:lnRef idx="2">
-              <a:schemeClr val="dk1">
-                <a:shade val="50000"/>
-              </a:schemeClr>
-            </a:lnRef>
-            <a:fillRef idx="1">
-              <a:schemeClr val="dk1"/>
-            </a:fillRef>
-            <a:effectRef idx="0">
-              <a:schemeClr val="dk1"/>
-            </a:effectRef>
-            <a:fontRef idx="minor">
-              <a:schemeClr val="lt1"/>
-            </a:fontRef>
-          </p:style>
-          <p:txBody>
-            <a:bodyPr rtlCol="0" anchor="ctr"/>
-            <a:lstStyle/>
-            <a:p>
-              <a:pPr algn="ctr"/>
-              <a:endParaRPr lang="fr-FR">
-                <a:solidFill>
-                  <a:schemeClr val="tx1"/>
-                </a:solidFill>
-              </a:endParaRPr>
-            </a:p>
-          </p:txBody>
-        </p:sp>
-      </p:grpSp>
-      <p:cxnSp>
-        <p:nvCxnSpPr>
-          <p:cNvPr id="71" name="Connecteur en angle 70"/>
-          <p:cNvCxnSpPr>
-            <a:endCxn id="69" idx="2"/>
-          </p:cNvCxnSpPr>
-          <p:nvPr/>
-        </p:nvCxnSpPr>
-        <p:spPr>
-          <a:xfrm>
-            <a:off x="2960483" y="2051331"/>
-            <a:ext cx="1165140" cy="1089949"/>
-          </a:xfrm>
-          <a:prstGeom prst="bentConnector4">
-            <a:avLst>
-              <a:gd name="adj1" fmla="val 47416"/>
-              <a:gd name="adj2" fmla="val 120973"/>
-            </a:avLst>
-          </a:prstGeom>
-          <a:ln>
-            <a:solidFill>
-              <a:schemeClr val="tx1"/>
-            </a:solidFill>
-            <a:prstDash val="dash"/>
-          </a:ln>
-        </p:spPr>
-        <p:style>
-          <a:lnRef idx="1">
-            <a:schemeClr val="accent1"/>
-          </a:lnRef>
-          <a:fillRef idx="0">
-            <a:schemeClr val="accent1"/>
-          </a:fillRef>
-          <a:effectRef idx="0">
-            <a:schemeClr val="accent1"/>
-          </a:effectRef>
-          <a:fontRef idx="minor">
-            <a:schemeClr val="tx1"/>
-          </a:fontRef>
-        </p:style>
-      </p:cxnSp>
-      <p:cxnSp>
-        <p:nvCxnSpPr>
-          <p:cNvPr id="73" name="Connecteur en angle 72"/>
-          <p:cNvCxnSpPr>
-            <a:stCxn id="51" idx="6"/>
-            <a:endCxn id="66" idx="2"/>
-          </p:cNvCxnSpPr>
-          <p:nvPr/>
-        </p:nvCxnSpPr>
-        <p:spPr>
-          <a:xfrm>
-            <a:off x="5810666" y="1584298"/>
-            <a:ext cx="2127975" cy="2264540"/>
-          </a:xfrm>
-          <a:prstGeom prst="bentConnector4">
-            <a:avLst>
-              <a:gd name="adj1" fmla="val 36247"/>
-              <a:gd name="adj2" fmla="val 110095"/>
-            </a:avLst>
-          </a:prstGeom>
-          <a:ln>
-            <a:solidFill>
-              <a:schemeClr val="tx1"/>
-            </a:solidFill>
-            <a:prstDash val="dash"/>
-          </a:ln>
-        </p:spPr>
-        <p:style>
-          <a:lnRef idx="1">
-            <a:schemeClr val="accent1"/>
-          </a:lnRef>
-          <a:fillRef idx="0">
-            <a:schemeClr val="accent1"/>
-          </a:fillRef>
-          <a:effectRef idx="0">
-            <a:schemeClr val="accent1"/>
-          </a:effectRef>
-          <a:fontRef idx="minor">
-            <a:schemeClr val="tx1"/>
-          </a:fontRef>
-        </p:style>
-      </p:cxnSp>
-      <p:sp>
-        <p:nvSpPr>
-          <p:cNvPr id="78" name="ZoneTexte 77"/>
-          <p:cNvSpPr txBox="1"/>
-          <p:nvPr/>
-        </p:nvSpPr>
-        <p:spPr>
-          <a:xfrm>
-            <a:off x="2120249" y="1702031"/>
-            <a:ext cx="593432" cy="276999"/>
-          </a:xfrm>
-          <a:prstGeom prst="rect">
-            <a:avLst/>
-          </a:prstGeom>
-          <a:noFill/>
-        </p:spPr>
-        <p:txBody>
-          <a:bodyPr wrap="none" rtlCol="0">
-            <a:spAutoFit/>
-          </a:bodyPr>
-          <a:lstStyle/>
-          <a:p>
-            <a:r>
-              <a:rPr lang="fr-FR" sz="1200" b="1" dirty="0" err="1" smtClean="0">
-                <a:latin typeface="Batang" panose="02030600000101010101" pitchFamily="18" charset="-127"/>
-                <a:ea typeface="Batang" panose="02030600000101010101" pitchFamily="18" charset="-127"/>
-              </a:rPr>
-              <a:t>IInfos</a:t>
-            </a:r>
-            <a:endParaRPr lang="fr-FR" sz="1200" b="1" dirty="0">
-              <a:latin typeface="Batang" panose="02030600000101010101" pitchFamily="18" charset="-127"/>
-              <a:ea typeface="Batang" panose="02030600000101010101" pitchFamily="18" charset="-127"/>
-            </a:endParaRPr>
-          </a:p>
-        </p:txBody>
-      </p:sp>
-      <p:cxnSp>
-        <p:nvCxnSpPr>
-          <p:cNvPr id="79" name="Connecteur en angle 78"/>
-          <p:cNvCxnSpPr>
-            <a:stCxn id="23" idx="6"/>
-            <a:endCxn id="12" idx="2"/>
-          </p:cNvCxnSpPr>
-          <p:nvPr/>
-        </p:nvCxnSpPr>
-        <p:spPr>
-          <a:xfrm>
-            <a:off x="2371989" y="2053234"/>
-            <a:ext cx="147801" cy="5710"/>
-          </a:xfrm>
-          <a:prstGeom prst="bentConnector3">
-            <a:avLst>
-              <a:gd name="adj1" fmla="val 50000"/>
-            </a:avLst>
-          </a:prstGeom>
-          <a:ln>
-            <a:solidFill>
-              <a:schemeClr val="tx1"/>
-            </a:solidFill>
-            <a:prstDash val="dash"/>
-          </a:ln>
-        </p:spPr>
-        <p:style>
-          <a:lnRef idx="1">
-            <a:schemeClr val="accent1"/>
-          </a:lnRef>
-          <a:fillRef idx="0">
-            <a:schemeClr val="accent1"/>
-          </a:fillRef>
-          <a:effectRef idx="0">
-            <a:schemeClr val="accent1"/>
-          </a:effectRef>
-          <a:fontRef idx="minor">
-            <a:schemeClr val="tx1"/>
-          </a:fontRef>
-        </p:style>
-      </p:cxnSp>
-      <p:sp>
-        <p:nvSpPr>
-          <p:cNvPr id="82" name="ZoneTexte 81"/>
-          <p:cNvSpPr txBox="1"/>
-          <p:nvPr/>
-        </p:nvSpPr>
-        <p:spPr>
-          <a:xfrm>
-            <a:off x="5423419" y="1238139"/>
-            <a:ext cx="593432" cy="276999"/>
-          </a:xfrm>
-          <a:prstGeom prst="rect">
-            <a:avLst/>
-          </a:prstGeom>
-          <a:noFill/>
-        </p:spPr>
-        <p:txBody>
-          <a:bodyPr wrap="none" rtlCol="0">
-            <a:spAutoFit/>
-          </a:bodyPr>
-          <a:lstStyle/>
-          <a:p>
-            <a:r>
-              <a:rPr lang="fr-FR" sz="1200" b="1" dirty="0" err="1" smtClean="0">
-                <a:latin typeface="Batang" panose="02030600000101010101" pitchFamily="18" charset="-127"/>
-                <a:ea typeface="Batang" panose="02030600000101010101" pitchFamily="18" charset="-127"/>
-              </a:rPr>
-              <a:t>IInfos</a:t>
-            </a:r>
-            <a:endParaRPr lang="fr-FR" sz="1200" b="1" dirty="0">
-              <a:latin typeface="Batang" panose="02030600000101010101" pitchFamily="18" charset="-127"/>
-              <a:ea typeface="Batang" panose="02030600000101010101" pitchFamily="18" charset="-127"/>
-            </a:endParaRPr>
-          </a:p>
-        </p:txBody>
-      </p:sp>
-      <p:sp>
-        <p:nvSpPr>
-          <p:cNvPr id="83" name="ZoneTexte 82"/>
-          <p:cNvSpPr txBox="1"/>
-          <p:nvPr/>
-        </p:nvSpPr>
-        <p:spPr>
-          <a:xfrm>
-            <a:off x="5969367" y="1774332"/>
-            <a:ext cx="667170" cy="276999"/>
-          </a:xfrm>
-          <a:prstGeom prst="rect">
-            <a:avLst/>
-          </a:prstGeom>
-          <a:noFill/>
-        </p:spPr>
-        <p:txBody>
-          <a:bodyPr wrap="none" rtlCol="0">
-            <a:spAutoFit/>
-          </a:bodyPr>
-          <a:lstStyle/>
-          <a:p>
-            <a:r>
-              <a:rPr lang="fr-FR" sz="1200" b="1" dirty="0" err="1" smtClean="0">
-                <a:latin typeface="Batang" panose="02030600000101010101" pitchFamily="18" charset="-127"/>
-                <a:ea typeface="Batang" panose="02030600000101010101" pitchFamily="18" charset="-127"/>
-              </a:rPr>
-              <a:t>Create</a:t>
-            </a:r>
-            <a:endParaRPr lang="fr-FR" sz="1200" b="1" dirty="0">
-              <a:latin typeface="Batang" panose="02030600000101010101" pitchFamily="18" charset="-127"/>
-              <a:ea typeface="Batang" panose="02030600000101010101" pitchFamily="18" charset="-127"/>
-            </a:endParaRPr>
-          </a:p>
-        </p:txBody>
-      </p:sp>
-      <p:sp>
-        <p:nvSpPr>
-          <p:cNvPr id="84" name="ZoneTexte 83"/>
-          <p:cNvSpPr txBox="1"/>
-          <p:nvPr/>
-        </p:nvSpPr>
-        <p:spPr>
-          <a:xfrm>
-            <a:off x="10177488" y="1491705"/>
-            <a:ext cx="667170" cy="276999"/>
-          </a:xfrm>
-          <a:prstGeom prst="rect">
-            <a:avLst/>
-          </a:prstGeom>
-          <a:noFill/>
-        </p:spPr>
-        <p:txBody>
-          <a:bodyPr wrap="none" rtlCol="0">
-            <a:spAutoFit/>
-          </a:bodyPr>
-          <a:lstStyle/>
-          <a:p>
-            <a:r>
-              <a:rPr lang="fr-FR" sz="1200" b="1" dirty="0" err="1" smtClean="0">
-                <a:latin typeface="Batang" panose="02030600000101010101" pitchFamily="18" charset="-127"/>
-                <a:ea typeface="Batang" panose="02030600000101010101" pitchFamily="18" charset="-127"/>
-              </a:rPr>
-              <a:t>Create</a:t>
-            </a:r>
-            <a:endParaRPr lang="fr-FR" sz="1200" b="1" dirty="0">
-              <a:latin typeface="Batang" panose="02030600000101010101" pitchFamily="18" charset="-127"/>
-              <a:ea typeface="Batang" panose="02030600000101010101" pitchFamily="18" charset="-127"/>
-            </a:endParaRPr>
-          </a:p>
-        </p:txBody>
-      </p:sp>
-      <p:sp>
-        <p:nvSpPr>
-          <p:cNvPr id="85" name="ZoneTexte 84"/>
-          <p:cNvSpPr txBox="1"/>
-          <p:nvPr/>
-        </p:nvSpPr>
-        <p:spPr>
-          <a:xfrm>
-            <a:off x="11237341" y="1630204"/>
-            <a:ext cx="667170" cy="276999"/>
-          </a:xfrm>
-          <a:prstGeom prst="rect">
-            <a:avLst/>
-          </a:prstGeom>
-          <a:noFill/>
-        </p:spPr>
-        <p:txBody>
-          <a:bodyPr wrap="none" rtlCol="0">
-            <a:spAutoFit/>
-          </a:bodyPr>
-          <a:lstStyle/>
-          <a:p>
-            <a:r>
-              <a:rPr lang="fr-FR" sz="1200" b="1" dirty="0" err="1" smtClean="0">
-                <a:latin typeface="Batang" panose="02030600000101010101" pitchFamily="18" charset="-127"/>
-                <a:ea typeface="Batang" panose="02030600000101010101" pitchFamily="18" charset="-127"/>
-              </a:rPr>
-              <a:t>Create</a:t>
-            </a:r>
-            <a:endParaRPr lang="fr-FR" sz="1200" b="1" dirty="0">
-              <a:latin typeface="Batang" panose="02030600000101010101" pitchFamily="18" charset="-127"/>
-              <a:ea typeface="Batang" panose="02030600000101010101" pitchFamily="18" charset="-127"/>
-            </a:endParaRPr>
-          </a:p>
-        </p:txBody>
-      </p:sp>
-      <p:sp>
-        <p:nvSpPr>
-          <p:cNvPr id="86" name="ZoneTexte 85"/>
-          <p:cNvSpPr txBox="1"/>
-          <p:nvPr/>
-        </p:nvSpPr>
-        <p:spPr>
-          <a:xfrm>
-            <a:off x="9216684" y="3879351"/>
-            <a:ext cx="1117614" cy="276999"/>
-          </a:xfrm>
-          <a:prstGeom prst="rect">
-            <a:avLst/>
-          </a:prstGeom>
-          <a:noFill/>
-        </p:spPr>
-        <p:txBody>
-          <a:bodyPr wrap="none" rtlCol="0">
-            <a:spAutoFit/>
-          </a:bodyPr>
-          <a:lstStyle/>
-          <a:p>
-            <a:r>
-              <a:rPr lang="fr-FR" sz="1200" b="1" smtClean="0">
-                <a:latin typeface="Batang" panose="02030600000101010101" pitchFamily="18" charset="-127"/>
-                <a:ea typeface="Batang" panose="02030600000101010101" pitchFamily="18" charset="-127"/>
-              </a:rPr>
-              <a:t>IActionRobot</a:t>
-            </a:r>
-            <a:endParaRPr lang="fr-FR" sz="1200" b="1" dirty="0">
-              <a:latin typeface="Batang" panose="02030600000101010101" pitchFamily="18" charset="-127"/>
-              <a:ea typeface="Batang" panose="02030600000101010101" pitchFamily="18" charset="-127"/>
-            </a:endParaRPr>
-          </a:p>
-        </p:txBody>
-      </p:sp>
     </p:spTree>
     <p:extLst>
       <p:ext uri="{BB962C8B-B14F-4D97-AF65-F5344CB8AC3E}">
